--- a/素材置き場/テクスチャ素材/help/プレゼンテーション1.pptx
+++ b/素材置き場/テクスチャ素材/help/プレゼンテーション1.pptx
@@ -6,6 +6,7 @@
   </p:sldMasterIdLst>
   <p:sldIdLst>
     <p:sldId id="256" r:id="rId2"/>
+    <p:sldId id="257" r:id="rId3"/>
   </p:sldIdLst>
   <p:sldSz cx="12192000" cy="6858000"/>
   <p:notesSz cx="6858000" cy="9144000"/>
@@ -104,6 +105,11 @@
       </a:defRPr>
     </a:lvl9pPr>
   </p:defaultTextStyle>
+  <p:extLst>
+    <p:ext uri="{EFAFB233-063F-42B5-8137-9DF3F51BA10A}">
+      <p15:sldGuideLst xmlns:p15="http://schemas.microsoft.com/office/powerpoint/2012/main"/>
+    </p:ext>
+  </p:extLst>
 </p:presentation>
 </file>
 
@@ -238,7 +244,7 @@
           <a:p>
             <a:fld id="{91B30A57-BFBF-465B-BB58-3B04A9A1FA34}" type="datetimeFigureOut">
               <a:rPr kumimoji="1" lang="ja-JP" altLang="en-US" smtClean="0"/>
-              <a:t>2019/12/10</a:t>
+              <a:t>2019/12/11</a:t>
             </a:fld>
             <a:endParaRPr kumimoji="1" lang="ja-JP" altLang="en-US"/>
           </a:p>
@@ -440,7 +446,7 @@
           <a:p>
             <a:fld id="{91B30A57-BFBF-465B-BB58-3B04A9A1FA34}" type="datetimeFigureOut">
               <a:rPr kumimoji="1" lang="ja-JP" altLang="en-US" smtClean="0"/>
-              <a:t>2019/12/10</a:t>
+              <a:t>2019/12/11</a:t>
             </a:fld>
             <a:endParaRPr kumimoji="1" lang="ja-JP" altLang="en-US"/>
           </a:p>
@@ -652,7 +658,7 @@
           <a:p>
             <a:fld id="{91B30A57-BFBF-465B-BB58-3B04A9A1FA34}" type="datetimeFigureOut">
               <a:rPr kumimoji="1" lang="ja-JP" altLang="en-US" smtClean="0"/>
-              <a:t>2019/12/10</a:t>
+              <a:t>2019/12/11</a:t>
             </a:fld>
             <a:endParaRPr kumimoji="1" lang="ja-JP" altLang="en-US"/>
           </a:p>
@@ -854,7 +860,7 @@
           <a:p>
             <a:fld id="{91B30A57-BFBF-465B-BB58-3B04A9A1FA34}" type="datetimeFigureOut">
               <a:rPr kumimoji="1" lang="ja-JP" altLang="en-US" smtClean="0"/>
-              <a:t>2019/12/10</a:t>
+              <a:t>2019/12/11</a:t>
             </a:fld>
             <a:endParaRPr kumimoji="1" lang="ja-JP" altLang="en-US"/>
           </a:p>
@@ -1100,7 +1106,7 @@
           <a:p>
             <a:fld id="{91B30A57-BFBF-465B-BB58-3B04A9A1FA34}" type="datetimeFigureOut">
               <a:rPr kumimoji="1" lang="ja-JP" altLang="en-US" smtClean="0"/>
-              <a:t>2019/12/10</a:t>
+              <a:t>2019/12/11</a:t>
             </a:fld>
             <a:endParaRPr kumimoji="1" lang="ja-JP" altLang="en-US"/>
           </a:p>
@@ -1396,7 +1402,7 @@
           <a:p>
             <a:fld id="{91B30A57-BFBF-465B-BB58-3B04A9A1FA34}" type="datetimeFigureOut">
               <a:rPr kumimoji="1" lang="ja-JP" altLang="en-US" smtClean="0"/>
-              <a:t>2019/12/10</a:t>
+              <a:t>2019/12/11</a:t>
             </a:fld>
             <a:endParaRPr kumimoji="1" lang="ja-JP" altLang="en-US"/>
           </a:p>
@@ -1827,7 +1833,7 @@
           <a:p>
             <a:fld id="{91B30A57-BFBF-465B-BB58-3B04A9A1FA34}" type="datetimeFigureOut">
               <a:rPr kumimoji="1" lang="ja-JP" altLang="en-US" smtClean="0"/>
-              <a:t>2019/12/10</a:t>
+              <a:t>2019/12/11</a:t>
             </a:fld>
             <a:endParaRPr kumimoji="1" lang="ja-JP" altLang="en-US"/>
           </a:p>
@@ -1945,7 +1951,7 @@
           <a:p>
             <a:fld id="{91B30A57-BFBF-465B-BB58-3B04A9A1FA34}" type="datetimeFigureOut">
               <a:rPr kumimoji="1" lang="ja-JP" altLang="en-US" smtClean="0"/>
-              <a:t>2019/12/10</a:t>
+              <a:t>2019/12/11</a:t>
             </a:fld>
             <a:endParaRPr kumimoji="1" lang="ja-JP" altLang="en-US"/>
           </a:p>
@@ -2040,7 +2046,7 @@
           <a:p>
             <a:fld id="{91B30A57-BFBF-465B-BB58-3B04A9A1FA34}" type="datetimeFigureOut">
               <a:rPr kumimoji="1" lang="ja-JP" altLang="en-US" smtClean="0"/>
-              <a:t>2019/12/10</a:t>
+              <a:t>2019/12/11</a:t>
             </a:fld>
             <a:endParaRPr kumimoji="1" lang="ja-JP" altLang="en-US"/>
           </a:p>
@@ -2349,7 +2355,7 @@
           <a:p>
             <a:fld id="{91B30A57-BFBF-465B-BB58-3B04A9A1FA34}" type="datetimeFigureOut">
               <a:rPr kumimoji="1" lang="ja-JP" altLang="en-US" smtClean="0"/>
-              <a:t>2019/12/10</a:t>
+              <a:t>2019/12/11</a:t>
             </a:fld>
             <a:endParaRPr kumimoji="1" lang="ja-JP" altLang="en-US"/>
           </a:p>
@@ -2602,7 +2608,7 @@
           <a:p>
             <a:fld id="{91B30A57-BFBF-465B-BB58-3B04A9A1FA34}" type="datetimeFigureOut">
               <a:rPr kumimoji="1" lang="ja-JP" altLang="en-US" smtClean="0"/>
-              <a:t>2019/12/10</a:t>
+              <a:t>2019/12/11</a:t>
             </a:fld>
             <a:endParaRPr kumimoji="1" lang="ja-JP" altLang="en-US"/>
           </a:p>
@@ -2847,7 +2853,7 @@
           <a:p>
             <a:fld id="{91B30A57-BFBF-465B-BB58-3B04A9A1FA34}" type="datetimeFigureOut">
               <a:rPr kumimoji="1" lang="ja-JP" altLang="en-US" smtClean="0"/>
-              <a:t>2019/12/10</a:t>
+              <a:t>2019/12/11</a:t>
             </a:fld>
             <a:endParaRPr kumimoji="1" lang="ja-JP" altLang="en-US"/>
           </a:p>
@@ -3254,917 +3260,18 @@
       </p:grpSpPr>
       <p:grpSp>
         <p:nvGrpSpPr>
-          <p:cNvPr id="41" name="グループ化 40"/>
+          <p:cNvPr id="25" name="グループ化 24"/>
           <p:cNvGrpSpPr/>
           <p:nvPr/>
         </p:nvGrpSpPr>
         <p:grpSpPr>
           <a:xfrm>
-            <a:off x="268082" y="636608"/>
-            <a:ext cx="4975250" cy="5000313"/>
-            <a:chOff x="301455" y="1616392"/>
-            <a:chExt cx="4222595" cy="4682408"/>
+            <a:off x="5924160" y="636608"/>
+            <a:ext cx="4975249" cy="2571402"/>
+            <a:chOff x="5924160" y="636608"/>
+            <a:chExt cx="4975249" cy="2571402"/>
           </a:xfrm>
         </p:grpSpPr>
-        <p:grpSp>
-          <p:nvGrpSpPr>
-            <p:cNvPr id="9" name="グループ化 8"/>
-            <p:cNvGrpSpPr/>
-            <p:nvPr/>
-          </p:nvGrpSpPr>
-          <p:grpSpPr>
-            <a:xfrm>
-              <a:off x="301455" y="4076699"/>
-              <a:ext cx="4222594" cy="2222101"/>
-              <a:chOff x="888195" y="3238499"/>
-              <a:chExt cx="4222594" cy="2222101"/>
-            </a:xfrm>
-          </p:grpSpPr>
-          <p:pic>
-            <p:nvPicPr>
-              <p:cNvPr id="5" name="図 4"/>
-              <p:cNvPicPr>
-                <a:picLocks noChangeAspect="1"/>
-              </p:cNvPicPr>
-              <p:nvPr/>
-            </p:nvPicPr>
-            <p:blipFill rotWithShape="1">
-              <a:blip r:embed="rId2">
-                <a:extLst>
-                  <a:ext uri="{28A0092B-C50C-407E-A947-70E740481C1C}">
-                    <a14:useLocalDpi xmlns:a14="http://schemas.microsoft.com/office/drawing/2010/main" val="0"/>
-                  </a:ext>
-                </a:extLst>
-              </a:blip>
-              <a:srcRect t="50032"/>
-              <a:stretch/>
-            </p:blipFill>
-            <p:spPr>
-              <a:xfrm>
-                <a:off x="888195" y="3238499"/>
-                <a:ext cx="4222594" cy="2222101"/>
-              </a:xfrm>
-              <a:prstGeom prst="rect">
-                <a:avLst/>
-              </a:prstGeom>
-            </p:spPr>
-          </p:pic>
-          <p:cxnSp>
-            <p:nvCxnSpPr>
-              <p:cNvPr id="6" name="直線コネクタ 5"/>
-              <p:cNvCxnSpPr/>
-              <p:nvPr/>
-            </p:nvCxnSpPr>
-            <p:spPr>
-              <a:xfrm flipV="1">
-                <a:off x="3084882" y="3653539"/>
-                <a:ext cx="284703" cy="261532"/>
-              </a:xfrm>
-              <a:prstGeom prst="line">
-                <a:avLst/>
-              </a:prstGeom>
-              <a:ln w="38100">
-                <a:solidFill>
-                  <a:schemeClr val="accent6"/>
-                </a:solidFill>
-              </a:ln>
-            </p:spPr>
-            <p:style>
-              <a:lnRef idx="1">
-                <a:schemeClr val="accent1"/>
-              </a:lnRef>
-              <a:fillRef idx="0">
-                <a:schemeClr val="accent1"/>
-              </a:fillRef>
-              <a:effectRef idx="0">
-                <a:schemeClr val="accent1"/>
-              </a:effectRef>
-              <a:fontRef idx="minor">
-                <a:schemeClr val="tx1"/>
-              </a:fontRef>
-            </p:style>
-          </p:cxnSp>
-          <p:sp>
-            <p:nvSpPr>
-              <p:cNvPr id="7" name="楕円 6"/>
-              <p:cNvSpPr/>
-              <p:nvPr/>
-            </p:nvSpPr>
-            <p:spPr>
-              <a:xfrm>
-                <a:off x="3031529" y="3862683"/>
-                <a:ext cx="106706" cy="104775"/>
-              </a:xfrm>
-              <a:prstGeom prst="ellipse">
-                <a:avLst/>
-              </a:prstGeom>
-              <a:solidFill>
-                <a:schemeClr val="accent6"/>
-              </a:solidFill>
-              <a:ln>
-                <a:noFill/>
-              </a:ln>
-            </p:spPr>
-            <p:style>
-              <a:lnRef idx="2">
-                <a:schemeClr val="accent1">
-                  <a:shade val="50000"/>
-                </a:schemeClr>
-              </a:lnRef>
-              <a:fillRef idx="1">
-                <a:schemeClr val="accent1"/>
-              </a:fillRef>
-              <a:effectRef idx="0">
-                <a:schemeClr val="accent1"/>
-              </a:effectRef>
-              <a:fontRef idx="minor">
-                <a:schemeClr val="lt1"/>
-              </a:fontRef>
-            </p:style>
-            <p:txBody>
-              <a:bodyPr rtlCol="0" anchor="ctr"/>
-              <a:lstStyle/>
-              <a:p>
-                <a:pPr algn="ctr"/>
-                <a:endParaRPr kumimoji="1" lang="ja-JP" altLang="en-US"/>
-              </a:p>
-            </p:txBody>
-          </p:sp>
-          <p:sp>
-            <p:nvSpPr>
-              <p:cNvPr id="8" name="正方形/長方形 7"/>
-              <p:cNvSpPr/>
-              <p:nvPr/>
-            </p:nvSpPr>
-            <p:spPr>
-              <a:xfrm>
-                <a:off x="3369585" y="3390459"/>
-                <a:ext cx="1187673" cy="421386"/>
-              </a:xfrm>
-              <a:prstGeom prst="rect">
-                <a:avLst/>
-              </a:prstGeom>
-              <a:solidFill>
-                <a:schemeClr val="tx1"/>
-              </a:solidFill>
-              <a:ln w="38100">
-                <a:solidFill>
-                  <a:schemeClr val="accent6"/>
-                </a:solidFill>
-              </a:ln>
-            </p:spPr>
-            <p:style>
-              <a:lnRef idx="2">
-                <a:schemeClr val="accent1">
-                  <a:shade val="50000"/>
-                </a:schemeClr>
-              </a:lnRef>
-              <a:fillRef idx="1">
-                <a:schemeClr val="accent1"/>
-              </a:fillRef>
-              <a:effectRef idx="0">
-                <a:schemeClr val="accent1"/>
-              </a:effectRef>
-              <a:fontRef idx="minor">
-                <a:schemeClr val="lt1"/>
-              </a:fontRef>
-            </p:style>
-            <p:txBody>
-              <a:bodyPr rtlCol="0" anchor="ctr"/>
-              <a:lstStyle/>
-              <a:p>
-                <a:pPr algn="ctr"/>
-                <a:r>
-                  <a:rPr lang="ja-JP" altLang="en-US" sz="1600" b="1" dirty="0" smtClean="0">
-                    <a:latin typeface="メイリオ" panose="020B0604030504040204" pitchFamily="50" charset="-128"/>
-                    <a:ea typeface="メイリオ" panose="020B0604030504040204" pitchFamily="50" charset="-128"/>
-                  </a:rPr>
-                  <a:t>リロード</a:t>
-                </a:r>
-                <a:endParaRPr kumimoji="1" lang="ja-JP" altLang="en-US" sz="1600" b="1" dirty="0">
-                  <a:latin typeface="メイリオ" panose="020B0604030504040204" pitchFamily="50" charset="-128"/>
-                  <a:ea typeface="メイリオ" panose="020B0604030504040204" pitchFamily="50" charset="-128"/>
-                </a:endParaRPr>
-              </a:p>
-            </p:txBody>
-          </p:sp>
-        </p:grpSp>
-        <p:sp>
-          <p:nvSpPr>
-            <p:cNvPr id="11" name="正方形/長方形 10"/>
-            <p:cNvSpPr/>
-            <p:nvPr/>
-          </p:nvSpPr>
-          <p:spPr>
-            <a:xfrm>
-              <a:off x="301456" y="1616392"/>
-              <a:ext cx="4222594" cy="2407920"/>
-            </a:xfrm>
-            <a:prstGeom prst="rect">
-              <a:avLst/>
-            </a:prstGeom>
-            <a:solidFill>
-              <a:schemeClr val="tx1"/>
-            </a:solidFill>
-            <a:ln>
-              <a:solidFill>
-                <a:schemeClr val="accent6"/>
-              </a:solidFill>
-            </a:ln>
-          </p:spPr>
-          <p:style>
-            <a:lnRef idx="2">
-              <a:schemeClr val="accent1">
-                <a:shade val="50000"/>
-              </a:schemeClr>
-            </a:lnRef>
-            <a:fillRef idx="1">
-              <a:schemeClr val="accent1"/>
-            </a:fillRef>
-            <a:effectRef idx="0">
-              <a:schemeClr val="accent1"/>
-            </a:effectRef>
-            <a:fontRef idx="minor">
-              <a:schemeClr val="lt1"/>
-            </a:fontRef>
-          </p:style>
-          <p:txBody>
-            <a:bodyPr rtlCol="0" anchor="ctr"/>
-            <a:lstStyle/>
-            <a:p>
-              <a:pPr algn="ctr"/>
-              <a:endParaRPr kumimoji="1" lang="ja-JP" altLang="en-US"/>
-            </a:p>
-          </p:txBody>
-        </p:sp>
-        <p:pic>
-          <p:nvPicPr>
-            <p:cNvPr id="12" name="図 11"/>
-            <p:cNvPicPr>
-              <a:picLocks noChangeAspect="1"/>
-            </p:cNvPicPr>
-            <p:nvPr/>
-          </p:nvPicPr>
-          <p:blipFill>
-            <a:blip r:embed="rId3" cstate="print">
-              <a:extLst>
-                <a:ext uri="{28A0092B-C50C-407E-A947-70E740481C1C}">
-                  <a14:useLocalDpi xmlns:a14="http://schemas.microsoft.com/office/drawing/2010/main" val="0"/>
-                </a:ext>
-              </a:extLst>
-            </a:blip>
-            <a:stretch>
-              <a:fillRect/>
-            </a:stretch>
-          </p:blipFill>
-          <p:spPr>
-            <a:xfrm>
-              <a:off x="2100690" y="2169570"/>
-              <a:ext cx="1275991" cy="1831149"/>
-            </a:xfrm>
-            <a:prstGeom prst="rect">
-              <a:avLst/>
-            </a:prstGeom>
-          </p:spPr>
-        </p:pic>
-        <p:cxnSp>
-          <p:nvCxnSpPr>
-            <p:cNvPr id="13" name="直線コネクタ 12"/>
-            <p:cNvCxnSpPr>
-              <a:stCxn id="14" idx="3"/>
-              <a:endCxn id="15" idx="3"/>
-            </p:cNvCxnSpPr>
-            <p:nvPr/>
-          </p:nvCxnSpPr>
-          <p:spPr>
-            <a:xfrm flipH="1">
-              <a:off x="1963939" y="3007158"/>
-              <a:ext cx="200515" cy="253634"/>
-            </a:xfrm>
-            <a:prstGeom prst="line">
-              <a:avLst/>
-            </a:prstGeom>
-            <a:ln w="38100">
-              <a:solidFill>
-                <a:schemeClr val="accent6"/>
-              </a:solidFill>
-            </a:ln>
-          </p:spPr>
-          <p:style>
-            <a:lnRef idx="1">
-              <a:schemeClr val="accent1"/>
-            </a:lnRef>
-            <a:fillRef idx="0">
-              <a:schemeClr val="accent1"/>
-            </a:fillRef>
-            <a:effectRef idx="0">
-              <a:schemeClr val="accent1"/>
-            </a:effectRef>
-            <a:fontRef idx="minor">
-              <a:schemeClr val="tx1"/>
-            </a:fontRef>
-          </p:style>
-        </p:cxnSp>
-        <p:sp>
-          <p:nvSpPr>
-            <p:cNvPr id="14" name="楕円 13"/>
-            <p:cNvSpPr/>
-            <p:nvPr/>
-          </p:nvSpPr>
-          <p:spPr>
-            <a:xfrm>
-              <a:off x="2148827" y="2917727"/>
-              <a:ext cx="106706" cy="104775"/>
-            </a:xfrm>
-            <a:prstGeom prst="ellipse">
-              <a:avLst/>
-            </a:prstGeom>
-            <a:solidFill>
-              <a:schemeClr val="accent6"/>
-            </a:solidFill>
-            <a:ln>
-              <a:noFill/>
-            </a:ln>
-          </p:spPr>
-          <p:style>
-            <a:lnRef idx="2">
-              <a:schemeClr val="accent1">
-                <a:shade val="50000"/>
-              </a:schemeClr>
-            </a:lnRef>
-            <a:fillRef idx="1">
-              <a:schemeClr val="accent1"/>
-            </a:fillRef>
-            <a:effectRef idx="0">
-              <a:schemeClr val="accent1"/>
-            </a:effectRef>
-            <a:fontRef idx="minor">
-              <a:schemeClr val="lt1"/>
-            </a:fontRef>
-          </p:style>
-          <p:txBody>
-            <a:bodyPr rtlCol="0" anchor="ctr"/>
-            <a:lstStyle/>
-            <a:p>
-              <a:pPr algn="ctr"/>
-              <a:endParaRPr kumimoji="1" lang="ja-JP" altLang="en-US"/>
-            </a:p>
-          </p:txBody>
-        </p:sp>
-        <p:sp>
-          <p:nvSpPr>
-            <p:cNvPr id="15" name="正方形/長方形 14"/>
-            <p:cNvSpPr/>
-            <p:nvPr/>
-          </p:nvSpPr>
-          <p:spPr>
-            <a:xfrm>
-              <a:off x="597409" y="3106420"/>
-              <a:ext cx="1366530" cy="308744"/>
-            </a:xfrm>
-            <a:prstGeom prst="rect">
-              <a:avLst/>
-            </a:prstGeom>
-            <a:solidFill>
-              <a:schemeClr val="tx1"/>
-            </a:solidFill>
-            <a:ln w="38100">
-              <a:solidFill>
-                <a:schemeClr val="accent6"/>
-              </a:solidFill>
-            </a:ln>
-          </p:spPr>
-          <p:style>
-            <a:lnRef idx="2">
-              <a:schemeClr val="accent1">
-                <a:shade val="50000"/>
-              </a:schemeClr>
-            </a:lnRef>
-            <a:fillRef idx="1">
-              <a:schemeClr val="accent1"/>
-            </a:fillRef>
-            <a:effectRef idx="0">
-              <a:schemeClr val="accent1"/>
-            </a:effectRef>
-            <a:fontRef idx="minor">
-              <a:schemeClr val="lt1"/>
-            </a:fontRef>
-          </p:style>
-          <p:txBody>
-            <a:bodyPr rtlCol="0" anchor="ctr"/>
-            <a:lstStyle/>
-            <a:p>
-              <a:pPr algn="ctr"/>
-              <a:r>
-                <a:rPr lang="ja-JP" altLang="en-US" sz="1400" b="1" dirty="0" smtClean="0">
-                  <a:latin typeface="メイリオ" panose="020B0604030504040204" pitchFamily="50" charset="-128"/>
-                  <a:ea typeface="メイリオ" panose="020B0604030504040204" pitchFamily="50" charset="-128"/>
-                </a:rPr>
-                <a:t>パート切り替え</a:t>
-              </a:r>
-              <a:endParaRPr kumimoji="1" lang="ja-JP" altLang="en-US" sz="1400" b="1" dirty="0">
-                <a:latin typeface="メイリオ" panose="020B0604030504040204" pitchFamily="50" charset="-128"/>
-                <a:ea typeface="メイリオ" panose="020B0604030504040204" pitchFamily="50" charset="-128"/>
-              </a:endParaRPr>
-            </a:p>
-          </p:txBody>
-        </p:sp>
-        <p:cxnSp>
-          <p:nvCxnSpPr>
-            <p:cNvPr id="22" name="直線コネクタ 21"/>
-            <p:cNvCxnSpPr>
-              <a:endCxn id="24" idx="3"/>
-            </p:cNvCxnSpPr>
-            <p:nvPr/>
-          </p:nvCxnSpPr>
-          <p:spPr>
-            <a:xfrm flipH="1" flipV="1">
-              <a:off x="1938539" y="2320201"/>
-              <a:ext cx="200516" cy="186212"/>
-            </a:xfrm>
-            <a:prstGeom prst="line">
-              <a:avLst/>
-            </a:prstGeom>
-            <a:ln w="38100">
-              <a:solidFill>
-                <a:schemeClr val="accent6"/>
-              </a:solidFill>
-            </a:ln>
-          </p:spPr>
-          <p:style>
-            <a:lnRef idx="1">
-              <a:schemeClr val="accent1"/>
-            </a:lnRef>
-            <a:fillRef idx="0">
-              <a:schemeClr val="accent1"/>
-            </a:fillRef>
-            <a:effectRef idx="0">
-              <a:schemeClr val="accent1"/>
-            </a:effectRef>
-            <a:fontRef idx="minor">
-              <a:schemeClr val="tx1"/>
-            </a:fontRef>
-          </p:style>
-        </p:cxnSp>
-        <p:grpSp>
-          <p:nvGrpSpPr>
-            <p:cNvPr id="27" name="グループ化 26"/>
-            <p:cNvGrpSpPr/>
-            <p:nvPr/>
-          </p:nvGrpSpPr>
-          <p:grpSpPr>
-            <a:xfrm>
-              <a:off x="664465" y="2152302"/>
-              <a:ext cx="1560575" cy="436062"/>
-              <a:chOff x="689865" y="2216584"/>
-              <a:chExt cx="1560575" cy="436062"/>
-            </a:xfrm>
-          </p:grpSpPr>
-          <p:sp>
-            <p:nvSpPr>
-              <p:cNvPr id="23" name="楕円 22"/>
-              <p:cNvSpPr/>
-              <p:nvPr/>
-            </p:nvSpPr>
-            <p:spPr>
-              <a:xfrm>
-                <a:off x="2148827" y="2552382"/>
-                <a:ext cx="101613" cy="100264"/>
-              </a:xfrm>
-              <a:prstGeom prst="ellipse">
-                <a:avLst/>
-              </a:prstGeom>
-              <a:solidFill>
-                <a:schemeClr val="accent6"/>
-              </a:solidFill>
-              <a:ln>
-                <a:noFill/>
-              </a:ln>
-            </p:spPr>
-            <p:style>
-              <a:lnRef idx="2">
-                <a:schemeClr val="accent1">
-                  <a:shade val="50000"/>
-                </a:schemeClr>
-              </a:lnRef>
-              <a:fillRef idx="1">
-                <a:schemeClr val="accent1"/>
-              </a:fillRef>
-              <a:effectRef idx="0">
-                <a:schemeClr val="accent1"/>
-              </a:effectRef>
-              <a:fontRef idx="minor">
-                <a:schemeClr val="lt1"/>
-              </a:fontRef>
-            </p:style>
-            <p:txBody>
-              <a:bodyPr rtlCol="0" anchor="ctr"/>
-              <a:lstStyle/>
-              <a:p>
-                <a:pPr algn="ctr"/>
-                <a:endParaRPr kumimoji="1" lang="ja-JP" altLang="en-US"/>
-              </a:p>
-            </p:txBody>
-          </p:sp>
-          <p:sp>
-            <p:nvSpPr>
-              <p:cNvPr id="24" name="正方形/長方形 23"/>
-              <p:cNvSpPr/>
-              <p:nvPr/>
-            </p:nvSpPr>
-            <p:spPr>
-              <a:xfrm>
-                <a:off x="689865" y="2216584"/>
-                <a:ext cx="1274074" cy="335798"/>
-              </a:xfrm>
-              <a:prstGeom prst="rect">
-                <a:avLst/>
-              </a:prstGeom>
-              <a:solidFill>
-                <a:schemeClr val="tx1"/>
-              </a:solidFill>
-              <a:ln w="38100">
-                <a:solidFill>
-                  <a:schemeClr val="accent6"/>
-                </a:solidFill>
-              </a:ln>
-            </p:spPr>
-            <p:style>
-              <a:lnRef idx="2">
-                <a:schemeClr val="accent1">
-                  <a:shade val="50000"/>
-                </a:schemeClr>
-              </a:lnRef>
-              <a:fillRef idx="1">
-                <a:schemeClr val="accent1"/>
-              </a:fillRef>
-              <a:effectRef idx="0">
-                <a:schemeClr val="accent1"/>
-              </a:effectRef>
-              <a:fontRef idx="minor">
-                <a:schemeClr val="lt1"/>
-              </a:fontRef>
-            </p:style>
-            <p:txBody>
-              <a:bodyPr rtlCol="0" anchor="ctr"/>
-              <a:lstStyle/>
-              <a:p>
-                <a:pPr algn="ctr"/>
-                <a:r>
-                  <a:rPr lang="ja-JP" altLang="en-US" sz="1400" b="1" dirty="0" smtClean="0">
-                    <a:latin typeface="メイリオ" panose="020B0604030504040204" pitchFamily="50" charset="-128"/>
-                    <a:ea typeface="メイリオ" panose="020B0604030504040204" pitchFamily="50" charset="-128"/>
-                  </a:rPr>
-                  <a:t>ラジオチャット</a:t>
-                </a:r>
-                <a:endParaRPr kumimoji="1" lang="ja-JP" altLang="en-US" sz="1400" b="1" dirty="0">
-                  <a:latin typeface="メイリオ" panose="020B0604030504040204" pitchFamily="50" charset="-128"/>
-                  <a:ea typeface="メイリオ" panose="020B0604030504040204" pitchFamily="50" charset="-128"/>
-                </a:endParaRPr>
-              </a:p>
-            </p:txBody>
-          </p:sp>
-        </p:grpSp>
-        <p:sp>
-          <p:nvSpPr>
-            <p:cNvPr id="29" name="楕円 28"/>
-            <p:cNvSpPr/>
-            <p:nvPr/>
-          </p:nvSpPr>
-          <p:spPr>
-            <a:xfrm>
-              <a:off x="2800540" y="2233464"/>
-              <a:ext cx="101613" cy="100264"/>
-            </a:xfrm>
-            <a:prstGeom prst="ellipse">
-              <a:avLst/>
-            </a:prstGeom>
-            <a:solidFill>
-              <a:schemeClr val="accent6"/>
-            </a:solidFill>
-            <a:ln>
-              <a:noFill/>
-            </a:ln>
-          </p:spPr>
-          <p:style>
-            <a:lnRef idx="2">
-              <a:schemeClr val="accent1">
-                <a:shade val="50000"/>
-              </a:schemeClr>
-            </a:lnRef>
-            <a:fillRef idx="1">
-              <a:schemeClr val="accent1"/>
-            </a:fillRef>
-            <a:effectRef idx="0">
-              <a:schemeClr val="accent1"/>
-            </a:effectRef>
-            <a:fontRef idx="minor">
-              <a:schemeClr val="lt1"/>
-            </a:fontRef>
-          </p:style>
-          <p:txBody>
-            <a:bodyPr rtlCol="0" anchor="ctr"/>
-            <a:lstStyle/>
-            <a:p>
-              <a:pPr algn="ctr"/>
-              <a:endParaRPr kumimoji="1" lang="ja-JP" altLang="en-US"/>
-            </a:p>
-          </p:txBody>
-        </p:sp>
-        <p:sp>
-          <p:nvSpPr>
-            <p:cNvPr id="30" name="正方形/長方形 29"/>
-            <p:cNvSpPr/>
-            <p:nvPr/>
-          </p:nvSpPr>
-          <p:spPr>
-            <a:xfrm>
-              <a:off x="3076440" y="1943100"/>
-              <a:ext cx="961727" cy="390628"/>
-            </a:xfrm>
-            <a:prstGeom prst="rect">
-              <a:avLst/>
-            </a:prstGeom>
-            <a:solidFill>
-              <a:schemeClr val="tx1"/>
-            </a:solidFill>
-            <a:ln w="38100">
-              <a:solidFill>
-                <a:schemeClr val="accent6"/>
-              </a:solidFill>
-            </a:ln>
-          </p:spPr>
-          <p:style>
-            <a:lnRef idx="2">
-              <a:schemeClr val="accent1">
-                <a:shade val="50000"/>
-              </a:schemeClr>
-            </a:lnRef>
-            <a:fillRef idx="1">
-              <a:schemeClr val="accent1"/>
-            </a:fillRef>
-            <a:effectRef idx="0">
-              <a:schemeClr val="accent1"/>
-            </a:effectRef>
-            <a:fontRef idx="minor">
-              <a:schemeClr val="lt1"/>
-            </a:fontRef>
-          </p:style>
-          <p:txBody>
-            <a:bodyPr rtlCol="0" anchor="ctr"/>
-            <a:lstStyle/>
-            <a:p>
-              <a:pPr algn="ctr"/>
-              <a:r>
-                <a:rPr lang="ja-JP" altLang="en-US" b="1" dirty="0" smtClean="0">
-                  <a:latin typeface="メイリオ" panose="020B0604030504040204" pitchFamily="50" charset="-128"/>
-                  <a:ea typeface="メイリオ" panose="020B0604030504040204" pitchFamily="50" charset="-128"/>
-                </a:rPr>
-                <a:t>移動</a:t>
-              </a:r>
-              <a:endParaRPr kumimoji="1" lang="ja-JP" altLang="en-US" b="1" dirty="0">
-                <a:latin typeface="メイリオ" panose="020B0604030504040204" pitchFamily="50" charset="-128"/>
-                <a:ea typeface="メイリオ" panose="020B0604030504040204" pitchFamily="50" charset="-128"/>
-              </a:endParaRPr>
-            </a:p>
-          </p:txBody>
-        </p:sp>
-        <p:cxnSp>
-          <p:nvCxnSpPr>
-            <p:cNvPr id="31" name="直線コネクタ 30"/>
-            <p:cNvCxnSpPr>
-              <a:stCxn id="29" idx="7"/>
-              <a:endCxn id="30" idx="1"/>
-            </p:cNvCxnSpPr>
-            <p:nvPr/>
-          </p:nvCxnSpPr>
-          <p:spPr>
-            <a:xfrm flipV="1">
-              <a:off x="2887272" y="2138414"/>
-              <a:ext cx="189168" cy="109733"/>
-            </a:xfrm>
-            <a:prstGeom prst="line">
-              <a:avLst/>
-            </a:prstGeom>
-            <a:ln w="38100">
-              <a:solidFill>
-                <a:schemeClr val="accent6"/>
-              </a:solidFill>
-            </a:ln>
-          </p:spPr>
-          <p:style>
-            <a:lnRef idx="1">
-              <a:schemeClr val="accent1"/>
-            </a:lnRef>
-            <a:fillRef idx="0">
-              <a:schemeClr val="accent1"/>
-            </a:fillRef>
-            <a:effectRef idx="0">
-              <a:schemeClr val="accent1"/>
-            </a:effectRef>
-            <a:fontRef idx="minor">
-              <a:schemeClr val="tx1"/>
-            </a:fontRef>
-          </p:style>
-        </p:cxnSp>
-      </p:grpSp>
-      <p:grpSp>
-        <p:nvGrpSpPr>
-          <p:cNvPr id="69" name="グループ化 68"/>
-          <p:cNvGrpSpPr/>
-          <p:nvPr/>
-        </p:nvGrpSpPr>
-        <p:grpSpPr>
-          <a:xfrm>
-            <a:off x="5924159" y="636608"/>
-            <a:ext cx="4975250" cy="5000313"/>
-            <a:chOff x="5924159" y="636608"/>
-            <a:chExt cx="4975250" cy="5000313"/>
-          </a:xfrm>
-        </p:grpSpPr>
-        <p:grpSp>
-          <p:nvGrpSpPr>
-            <p:cNvPr id="44" name="グループ化 43"/>
-            <p:cNvGrpSpPr/>
-            <p:nvPr/>
-          </p:nvGrpSpPr>
-          <p:grpSpPr>
-            <a:xfrm>
-              <a:off x="5924159" y="3263954"/>
-              <a:ext cx="4975249" cy="2372967"/>
-              <a:chOff x="888195" y="3238499"/>
-              <a:chExt cx="4222594" cy="2222101"/>
-            </a:xfrm>
-          </p:grpSpPr>
-          <p:pic>
-            <p:nvPicPr>
-              <p:cNvPr id="57" name="図 56"/>
-              <p:cNvPicPr>
-                <a:picLocks noChangeAspect="1"/>
-              </p:cNvPicPr>
-              <p:nvPr/>
-            </p:nvPicPr>
-            <p:blipFill rotWithShape="1">
-              <a:blip r:embed="rId2">
-                <a:extLst>
-                  <a:ext uri="{28A0092B-C50C-407E-A947-70E740481C1C}">
-                    <a14:useLocalDpi xmlns:a14="http://schemas.microsoft.com/office/drawing/2010/main" val="0"/>
-                  </a:ext>
-                </a:extLst>
-              </a:blip>
-              <a:srcRect t="50032"/>
-              <a:stretch/>
-            </p:blipFill>
-            <p:spPr>
-              <a:xfrm>
-                <a:off x="888195" y="3238499"/>
-                <a:ext cx="4222594" cy="2222101"/>
-              </a:xfrm>
-              <a:prstGeom prst="rect">
-                <a:avLst/>
-              </a:prstGeom>
-            </p:spPr>
-          </p:pic>
-          <p:cxnSp>
-            <p:nvCxnSpPr>
-              <p:cNvPr id="58" name="直線コネクタ 57"/>
-              <p:cNvCxnSpPr/>
-              <p:nvPr/>
-            </p:nvCxnSpPr>
-            <p:spPr>
-              <a:xfrm flipV="1">
-                <a:off x="3084882" y="3653539"/>
-                <a:ext cx="284703" cy="261532"/>
-              </a:xfrm>
-              <a:prstGeom prst="line">
-                <a:avLst/>
-              </a:prstGeom>
-              <a:ln w="38100">
-                <a:solidFill>
-                  <a:schemeClr val="accent6"/>
-                </a:solidFill>
-              </a:ln>
-            </p:spPr>
-            <p:style>
-              <a:lnRef idx="1">
-                <a:schemeClr val="accent1"/>
-              </a:lnRef>
-              <a:fillRef idx="0">
-                <a:schemeClr val="accent1"/>
-              </a:fillRef>
-              <a:effectRef idx="0">
-                <a:schemeClr val="accent1"/>
-              </a:effectRef>
-              <a:fontRef idx="minor">
-                <a:schemeClr val="tx1"/>
-              </a:fontRef>
-            </p:style>
-          </p:cxnSp>
-          <p:sp>
-            <p:nvSpPr>
-              <p:cNvPr id="59" name="楕円 58"/>
-              <p:cNvSpPr/>
-              <p:nvPr/>
-            </p:nvSpPr>
-            <p:spPr>
-              <a:xfrm>
-                <a:off x="3031529" y="3862683"/>
-                <a:ext cx="106706" cy="104775"/>
-              </a:xfrm>
-              <a:prstGeom prst="ellipse">
-                <a:avLst/>
-              </a:prstGeom>
-              <a:solidFill>
-                <a:schemeClr val="accent6"/>
-              </a:solidFill>
-              <a:ln>
-                <a:noFill/>
-              </a:ln>
-            </p:spPr>
-            <p:style>
-              <a:lnRef idx="2">
-                <a:schemeClr val="accent1">
-                  <a:shade val="50000"/>
-                </a:schemeClr>
-              </a:lnRef>
-              <a:fillRef idx="1">
-                <a:schemeClr val="accent1"/>
-              </a:fillRef>
-              <a:effectRef idx="0">
-                <a:schemeClr val="accent1"/>
-              </a:effectRef>
-              <a:fontRef idx="minor">
-                <a:schemeClr val="lt1"/>
-              </a:fontRef>
-            </p:style>
-            <p:txBody>
-              <a:bodyPr rtlCol="0" anchor="ctr"/>
-              <a:lstStyle/>
-              <a:p>
-                <a:pPr algn="ctr"/>
-                <a:endParaRPr kumimoji="1" lang="ja-JP" altLang="en-US"/>
-              </a:p>
-            </p:txBody>
-          </p:sp>
-          <p:sp>
-            <p:nvSpPr>
-              <p:cNvPr id="60" name="正方形/長方形 59"/>
-              <p:cNvSpPr/>
-              <p:nvPr/>
-            </p:nvSpPr>
-            <p:spPr>
-              <a:xfrm>
-                <a:off x="3369585" y="3390459"/>
-                <a:ext cx="1187673" cy="421386"/>
-              </a:xfrm>
-              <a:prstGeom prst="rect">
-                <a:avLst/>
-              </a:prstGeom>
-              <a:solidFill>
-                <a:schemeClr val="tx1"/>
-              </a:solidFill>
-              <a:ln w="38100">
-                <a:solidFill>
-                  <a:schemeClr val="accent6"/>
-                </a:solidFill>
-              </a:ln>
-            </p:spPr>
-            <p:style>
-              <a:lnRef idx="2">
-                <a:schemeClr val="accent1">
-                  <a:shade val="50000"/>
-                </a:schemeClr>
-              </a:lnRef>
-              <a:fillRef idx="1">
-                <a:schemeClr val="accent1"/>
-              </a:fillRef>
-              <a:effectRef idx="0">
-                <a:schemeClr val="accent1"/>
-              </a:effectRef>
-              <a:fontRef idx="minor">
-                <a:schemeClr val="lt1"/>
-              </a:fontRef>
-            </p:style>
-            <p:txBody>
-              <a:bodyPr rtlCol="0" anchor="ctr"/>
-              <a:lstStyle/>
-              <a:p>
-                <a:pPr algn="ctr"/>
-                <a:r>
-                  <a:rPr lang="ja-JP" altLang="en-US" sz="1600" b="1" dirty="0" smtClean="0">
-                    <a:latin typeface="メイリオ" panose="020B0604030504040204" pitchFamily="50" charset="-128"/>
-                    <a:ea typeface="メイリオ" panose="020B0604030504040204" pitchFamily="50" charset="-128"/>
-                  </a:rPr>
-                  <a:t>リロード</a:t>
-                </a:r>
-                <a:endParaRPr kumimoji="1" lang="ja-JP" altLang="en-US" sz="1600" b="1" dirty="0">
-                  <a:latin typeface="メイリオ" panose="020B0604030504040204" pitchFamily="50" charset="-128"/>
-                  <a:ea typeface="メイリオ" panose="020B0604030504040204" pitchFamily="50" charset="-128"/>
-                </a:endParaRPr>
-              </a:p>
-            </p:txBody>
-          </p:sp>
-        </p:grpSp>
         <p:sp>
           <p:nvSpPr>
             <p:cNvPr id="45" name="正方形/長方形 44"/>
@@ -4730,10 +3837,3299 @@
           </p:sp>
         </p:grpSp>
       </p:grpSp>
+      <p:grpSp>
+        <p:nvGrpSpPr>
+          <p:cNvPr id="21" name="グループ化 20"/>
+          <p:cNvGrpSpPr/>
+          <p:nvPr/>
+        </p:nvGrpSpPr>
+        <p:grpSpPr>
+          <a:xfrm>
+            <a:off x="268083" y="636608"/>
+            <a:ext cx="4975249" cy="5185841"/>
+            <a:chOff x="268083" y="636608"/>
+            <a:chExt cx="4975249" cy="5185841"/>
+          </a:xfrm>
+        </p:grpSpPr>
+        <p:sp>
+          <p:nvSpPr>
+            <p:cNvPr id="11" name="正方形/長方形 10"/>
+            <p:cNvSpPr/>
+            <p:nvPr/>
+          </p:nvSpPr>
+          <p:spPr>
+            <a:xfrm>
+              <a:off x="268083" y="636608"/>
+              <a:ext cx="4975249" cy="2571402"/>
+            </a:xfrm>
+            <a:prstGeom prst="rect">
+              <a:avLst/>
+            </a:prstGeom>
+            <a:solidFill>
+              <a:schemeClr val="tx1"/>
+            </a:solidFill>
+            <a:ln>
+              <a:solidFill>
+                <a:schemeClr val="accent6"/>
+              </a:solidFill>
+            </a:ln>
+          </p:spPr>
+          <p:style>
+            <a:lnRef idx="2">
+              <a:schemeClr val="accent1">
+                <a:shade val="50000"/>
+              </a:schemeClr>
+            </a:lnRef>
+            <a:fillRef idx="1">
+              <a:schemeClr val="accent1"/>
+            </a:fillRef>
+            <a:effectRef idx="0">
+              <a:schemeClr val="accent1"/>
+            </a:effectRef>
+            <a:fontRef idx="minor">
+              <a:schemeClr val="lt1"/>
+            </a:fontRef>
+          </p:style>
+          <p:txBody>
+            <a:bodyPr rtlCol="0" anchor="ctr"/>
+            <a:lstStyle/>
+            <a:p>
+              <a:pPr algn="ctr"/>
+              <a:endParaRPr kumimoji="1" lang="ja-JP" altLang="en-US"/>
+            </a:p>
+          </p:txBody>
+        </p:sp>
+        <p:pic>
+          <p:nvPicPr>
+            <p:cNvPr id="12" name="図 11"/>
+            <p:cNvPicPr>
+              <a:picLocks noChangeAspect="1"/>
+            </p:cNvPicPr>
+            <p:nvPr/>
+          </p:nvPicPr>
+          <p:blipFill>
+            <a:blip r:embed="rId2" cstate="print">
+              <a:extLst>
+                <a:ext uri="{28A0092B-C50C-407E-A947-70E740481C1C}">
+                  <a14:useLocalDpi xmlns:a14="http://schemas.microsoft.com/office/drawing/2010/main" val="0"/>
+                </a:ext>
+              </a:extLst>
+            </a:blip>
+            <a:stretch>
+              <a:fillRect/>
+            </a:stretch>
+          </p:blipFill>
+          <p:spPr>
+            <a:xfrm>
+              <a:off x="2388021" y="1227343"/>
+              <a:ext cx="1503430" cy="1955472"/>
+            </a:xfrm>
+            <a:prstGeom prst="rect">
+              <a:avLst/>
+            </a:prstGeom>
+          </p:spPr>
+        </p:pic>
+        <p:cxnSp>
+          <p:nvCxnSpPr>
+            <p:cNvPr id="13" name="直線コネクタ 12"/>
+            <p:cNvCxnSpPr>
+              <a:stCxn id="14" idx="3"/>
+              <a:endCxn id="15" idx="3"/>
+            </p:cNvCxnSpPr>
+            <p:nvPr/>
+          </p:nvCxnSpPr>
+          <p:spPr>
+            <a:xfrm flipH="1">
+              <a:off x="2226895" y="2121798"/>
+              <a:ext cx="236256" cy="270854"/>
+            </a:xfrm>
+            <a:prstGeom prst="line">
+              <a:avLst/>
+            </a:prstGeom>
+            <a:ln w="38100">
+              <a:solidFill>
+                <a:schemeClr val="accent6"/>
+              </a:solidFill>
+            </a:ln>
+          </p:spPr>
+          <p:style>
+            <a:lnRef idx="1">
+              <a:schemeClr val="accent1"/>
+            </a:lnRef>
+            <a:fillRef idx="0">
+              <a:schemeClr val="accent1"/>
+            </a:fillRef>
+            <a:effectRef idx="0">
+              <a:schemeClr val="accent1"/>
+            </a:effectRef>
+            <a:fontRef idx="minor">
+              <a:schemeClr val="tx1"/>
+            </a:fontRef>
+          </p:style>
+        </p:cxnSp>
+        <p:sp>
+          <p:nvSpPr>
+            <p:cNvPr id="14" name="楕円 13"/>
+            <p:cNvSpPr/>
+            <p:nvPr/>
+          </p:nvSpPr>
+          <p:spPr>
+            <a:xfrm>
+              <a:off x="2444738" y="2026295"/>
+              <a:ext cx="125726" cy="111889"/>
+            </a:xfrm>
+            <a:prstGeom prst="ellipse">
+              <a:avLst/>
+            </a:prstGeom>
+            <a:solidFill>
+              <a:schemeClr val="accent6"/>
+            </a:solidFill>
+            <a:ln>
+              <a:noFill/>
+            </a:ln>
+          </p:spPr>
+          <p:style>
+            <a:lnRef idx="2">
+              <a:schemeClr val="accent1">
+                <a:shade val="50000"/>
+              </a:schemeClr>
+            </a:lnRef>
+            <a:fillRef idx="1">
+              <a:schemeClr val="accent1"/>
+            </a:fillRef>
+            <a:effectRef idx="0">
+              <a:schemeClr val="accent1"/>
+            </a:effectRef>
+            <a:fontRef idx="minor">
+              <a:schemeClr val="lt1"/>
+            </a:fontRef>
+          </p:style>
+          <p:txBody>
+            <a:bodyPr rtlCol="0" anchor="ctr"/>
+            <a:lstStyle/>
+            <a:p>
+              <a:pPr algn="ctr"/>
+              <a:endParaRPr kumimoji="1" lang="ja-JP" altLang="en-US"/>
+            </a:p>
+          </p:txBody>
+        </p:sp>
+        <p:sp>
+          <p:nvSpPr>
+            <p:cNvPr id="15" name="正方形/長方形 14"/>
+            <p:cNvSpPr/>
+            <p:nvPr/>
+          </p:nvSpPr>
+          <p:spPr>
+            <a:xfrm>
+              <a:off x="616788" y="2227799"/>
+              <a:ext cx="1610107" cy="329706"/>
+            </a:xfrm>
+            <a:prstGeom prst="rect">
+              <a:avLst/>
+            </a:prstGeom>
+            <a:solidFill>
+              <a:schemeClr val="tx1"/>
+            </a:solidFill>
+            <a:ln w="38100">
+              <a:solidFill>
+                <a:schemeClr val="accent6"/>
+              </a:solidFill>
+            </a:ln>
+          </p:spPr>
+          <p:style>
+            <a:lnRef idx="2">
+              <a:schemeClr val="accent1">
+                <a:shade val="50000"/>
+              </a:schemeClr>
+            </a:lnRef>
+            <a:fillRef idx="1">
+              <a:schemeClr val="accent1"/>
+            </a:fillRef>
+            <a:effectRef idx="0">
+              <a:schemeClr val="accent1"/>
+            </a:effectRef>
+            <a:fontRef idx="minor">
+              <a:schemeClr val="lt1"/>
+            </a:fontRef>
+          </p:style>
+          <p:txBody>
+            <a:bodyPr rtlCol="0" anchor="ctr"/>
+            <a:lstStyle/>
+            <a:p>
+              <a:pPr algn="ctr"/>
+              <a:r>
+                <a:rPr lang="ja-JP" altLang="en-US" sz="1400" b="1" dirty="0" smtClean="0">
+                  <a:latin typeface="メイリオ" panose="020B0604030504040204" pitchFamily="50" charset="-128"/>
+                  <a:ea typeface="メイリオ" panose="020B0604030504040204" pitchFamily="50" charset="-128"/>
+                </a:rPr>
+                <a:t>パート切り替え</a:t>
+              </a:r>
+              <a:endParaRPr kumimoji="1" lang="ja-JP" altLang="en-US" sz="1400" b="1" dirty="0">
+                <a:latin typeface="メイリオ" panose="020B0604030504040204" pitchFamily="50" charset="-128"/>
+                <a:ea typeface="メイリオ" panose="020B0604030504040204" pitchFamily="50" charset="-128"/>
+              </a:endParaRPr>
+            </a:p>
+          </p:txBody>
+        </p:sp>
+        <p:grpSp>
+          <p:nvGrpSpPr>
+            <p:cNvPr id="4" name="グループ化 3"/>
+            <p:cNvGrpSpPr/>
+            <p:nvPr/>
+          </p:nvGrpSpPr>
+          <p:grpSpPr>
+            <a:xfrm>
+              <a:off x="695797" y="1208903"/>
+              <a:ext cx="1838739" cy="465668"/>
+              <a:chOff x="695797" y="1208903"/>
+              <a:chExt cx="1838739" cy="465668"/>
+            </a:xfrm>
+          </p:grpSpPr>
+          <p:cxnSp>
+            <p:nvCxnSpPr>
+              <p:cNvPr id="22" name="直線コネクタ 21"/>
+              <p:cNvCxnSpPr>
+                <a:endCxn id="24" idx="3"/>
+              </p:cNvCxnSpPr>
+              <p:nvPr/>
+            </p:nvCxnSpPr>
+            <p:spPr>
+              <a:xfrm flipH="1" flipV="1">
+                <a:off x="2196967" y="1388201"/>
+                <a:ext cx="236257" cy="198855"/>
+              </a:xfrm>
+              <a:prstGeom prst="line">
+                <a:avLst/>
+              </a:prstGeom>
+              <a:ln w="38100">
+                <a:solidFill>
+                  <a:schemeClr val="accent6"/>
+                </a:solidFill>
+              </a:ln>
+            </p:spPr>
+            <p:style>
+              <a:lnRef idx="1">
+                <a:schemeClr val="accent1"/>
+              </a:lnRef>
+              <a:fillRef idx="0">
+                <a:schemeClr val="accent1"/>
+              </a:fillRef>
+              <a:effectRef idx="0">
+                <a:schemeClr val="accent1"/>
+              </a:effectRef>
+              <a:fontRef idx="minor">
+                <a:schemeClr val="tx1"/>
+              </a:fontRef>
+            </p:style>
+          </p:cxnSp>
+          <p:grpSp>
+            <p:nvGrpSpPr>
+              <p:cNvPr id="27" name="グループ化 26"/>
+              <p:cNvGrpSpPr/>
+              <p:nvPr/>
+            </p:nvGrpSpPr>
+            <p:grpSpPr>
+              <a:xfrm>
+                <a:off x="695797" y="1208903"/>
+                <a:ext cx="1838739" cy="465668"/>
+                <a:chOff x="689865" y="2216584"/>
+                <a:chExt cx="1560575" cy="436062"/>
+              </a:xfrm>
+            </p:grpSpPr>
+            <p:sp>
+              <p:nvSpPr>
+                <p:cNvPr id="23" name="楕円 22"/>
+                <p:cNvSpPr/>
+                <p:nvPr/>
+              </p:nvSpPr>
+              <p:spPr>
+                <a:xfrm>
+                  <a:off x="2148827" y="2552382"/>
+                  <a:ext cx="101613" cy="100264"/>
+                </a:xfrm>
+                <a:prstGeom prst="ellipse">
+                  <a:avLst/>
+                </a:prstGeom>
+                <a:solidFill>
+                  <a:schemeClr val="accent6"/>
+                </a:solidFill>
+                <a:ln>
+                  <a:noFill/>
+                </a:ln>
+              </p:spPr>
+              <p:style>
+                <a:lnRef idx="2">
+                  <a:schemeClr val="accent1">
+                    <a:shade val="50000"/>
+                  </a:schemeClr>
+                </a:lnRef>
+                <a:fillRef idx="1">
+                  <a:schemeClr val="accent1"/>
+                </a:fillRef>
+                <a:effectRef idx="0">
+                  <a:schemeClr val="accent1"/>
+                </a:effectRef>
+                <a:fontRef idx="minor">
+                  <a:schemeClr val="lt1"/>
+                </a:fontRef>
+              </p:style>
+              <p:txBody>
+                <a:bodyPr rtlCol="0" anchor="ctr"/>
+                <a:lstStyle/>
+                <a:p>
+                  <a:pPr algn="ctr"/>
+                  <a:endParaRPr kumimoji="1" lang="ja-JP" altLang="en-US"/>
+                </a:p>
+              </p:txBody>
+            </p:sp>
+            <p:sp>
+              <p:nvSpPr>
+                <p:cNvPr id="24" name="正方形/長方形 23"/>
+                <p:cNvSpPr/>
+                <p:nvPr/>
+              </p:nvSpPr>
+              <p:spPr>
+                <a:xfrm>
+                  <a:off x="689865" y="2216584"/>
+                  <a:ext cx="1274074" cy="335798"/>
+                </a:xfrm>
+                <a:prstGeom prst="rect">
+                  <a:avLst/>
+                </a:prstGeom>
+                <a:solidFill>
+                  <a:schemeClr val="tx1"/>
+                </a:solidFill>
+                <a:ln w="38100">
+                  <a:solidFill>
+                    <a:schemeClr val="accent6"/>
+                  </a:solidFill>
+                </a:ln>
+              </p:spPr>
+              <p:style>
+                <a:lnRef idx="2">
+                  <a:schemeClr val="accent1">
+                    <a:shade val="50000"/>
+                  </a:schemeClr>
+                </a:lnRef>
+                <a:fillRef idx="1">
+                  <a:schemeClr val="accent1"/>
+                </a:fillRef>
+                <a:effectRef idx="0">
+                  <a:schemeClr val="accent1"/>
+                </a:effectRef>
+                <a:fontRef idx="minor">
+                  <a:schemeClr val="lt1"/>
+                </a:fontRef>
+              </p:style>
+              <p:txBody>
+                <a:bodyPr rtlCol="0" anchor="ctr"/>
+                <a:lstStyle/>
+                <a:p>
+                  <a:pPr algn="ctr"/>
+                  <a:r>
+                    <a:rPr lang="ja-JP" altLang="en-US" sz="1400" b="1" dirty="0" smtClean="0">
+                      <a:latin typeface="メイリオ" panose="020B0604030504040204" pitchFamily="50" charset="-128"/>
+                      <a:ea typeface="メイリオ" panose="020B0604030504040204" pitchFamily="50" charset="-128"/>
+                    </a:rPr>
+                    <a:t>ラジオチャット</a:t>
+                  </a:r>
+                  <a:endParaRPr kumimoji="1" lang="ja-JP" altLang="en-US" sz="1400" b="1" dirty="0">
+                    <a:latin typeface="メイリオ" panose="020B0604030504040204" pitchFamily="50" charset="-128"/>
+                    <a:ea typeface="メイリオ" panose="020B0604030504040204" pitchFamily="50" charset="-128"/>
+                  </a:endParaRPr>
+                </a:p>
+              </p:txBody>
+            </p:sp>
+          </p:grpSp>
+        </p:grpSp>
+        <p:sp>
+          <p:nvSpPr>
+            <p:cNvPr id="29" name="楕円 28"/>
+            <p:cNvSpPr/>
+            <p:nvPr/>
+          </p:nvSpPr>
+          <p:spPr>
+            <a:xfrm>
+              <a:off x="3212616" y="1295575"/>
+              <a:ext cx="119725" cy="107071"/>
+            </a:xfrm>
+            <a:prstGeom prst="ellipse">
+              <a:avLst/>
+            </a:prstGeom>
+            <a:solidFill>
+              <a:schemeClr val="accent6"/>
+            </a:solidFill>
+            <a:ln>
+              <a:noFill/>
+            </a:ln>
+          </p:spPr>
+          <p:style>
+            <a:lnRef idx="2">
+              <a:schemeClr val="accent1">
+                <a:shade val="50000"/>
+              </a:schemeClr>
+            </a:lnRef>
+            <a:fillRef idx="1">
+              <a:schemeClr val="accent1"/>
+            </a:fillRef>
+            <a:effectRef idx="0">
+              <a:schemeClr val="accent1"/>
+            </a:effectRef>
+            <a:fontRef idx="minor">
+              <a:schemeClr val="lt1"/>
+            </a:fontRef>
+          </p:style>
+          <p:txBody>
+            <a:bodyPr rtlCol="0" anchor="ctr"/>
+            <a:lstStyle/>
+            <a:p>
+              <a:pPr algn="ctr"/>
+              <a:endParaRPr kumimoji="1" lang="ja-JP" altLang="en-US"/>
+            </a:p>
+          </p:txBody>
+        </p:sp>
+        <p:sp>
+          <p:nvSpPr>
+            <p:cNvPr id="30" name="正方形/長方形 29"/>
+            <p:cNvSpPr/>
+            <p:nvPr/>
+          </p:nvSpPr>
+          <p:spPr>
+            <a:xfrm>
+              <a:off x="3537693" y="985497"/>
+              <a:ext cx="1133150" cy="417149"/>
+            </a:xfrm>
+            <a:prstGeom prst="rect">
+              <a:avLst/>
+            </a:prstGeom>
+            <a:solidFill>
+              <a:schemeClr val="tx1"/>
+            </a:solidFill>
+            <a:ln w="38100">
+              <a:solidFill>
+                <a:schemeClr val="accent6"/>
+              </a:solidFill>
+            </a:ln>
+          </p:spPr>
+          <p:style>
+            <a:lnRef idx="2">
+              <a:schemeClr val="accent1">
+                <a:shade val="50000"/>
+              </a:schemeClr>
+            </a:lnRef>
+            <a:fillRef idx="1">
+              <a:schemeClr val="accent1"/>
+            </a:fillRef>
+            <a:effectRef idx="0">
+              <a:schemeClr val="accent1"/>
+            </a:effectRef>
+            <a:fontRef idx="minor">
+              <a:schemeClr val="lt1"/>
+            </a:fontRef>
+          </p:style>
+          <p:txBody>
+            <a:bodyPr rtlCol="0" anchor="ctr"/>
+            <a:lstStyle/>
+            <a:p>
+              <a:pPr algn="ctr"/>
+              <a:r>
+                <a:rPr lang="ja-JP" altLang="en-US" b="1" dirty="0" smtClean="0">
+                  <a:latin typeface="メイリオ" panose="020B0604030504040204" pitchFamily="50" charset="-128"/>
+                  <a:ea typeface="メイリオ" panose="020B0604030504040204" pitchFamily="50" charset="-128"/>
+                </a:rPr>
+                <a:t>移動</a:t>
+              </a:r>
+              <a:endParaRPr kumimoji="1" lang="ja-JP" altLang="en-US" b="1" dirty="0">
+                <a:latin typeface="メイリオ" panose="020B0604030504040204" pitchFamily="50" charset="-128"/>
+                <a:ea typeface="メイリオ" panose="020B0604030504040204" pitchFamily="50" charset="-128"/>
+              </a:endParaRPr>
+            </a:p>
+          </p:txBody>
+        </p:sp>
+        <p:cxnSp>
+          <p:nvCxnSpPr>
+            <p:cNvPr id="31" name="直線コネクタ 30"/>
+            <p:cNvCxnSpPr>
+              <a:stCxn id="29" idx="7"/>
+              <a:endCxn id="30" idx="1"/>
+            </p:cNvCxnSpPr>
+            <p:nvPr/>
+          </p:nvCxnSpPr>
+          <p:spPr>
+            <a:xfrm flipV="1">
+              <a:off x="3314807" y="1194072"/>
+              <a:ext cx="222886" cy="117183"/>
+            </a:xfrm>
+            <a:prstGeom prst="line">
+              <a:avLst/>
+            </a:prstGeom>
+            <a:ln w="38100">
+              <a:solidFill>
+                <a:schemeClr val="accent6"/>
+              </a:solidFill>
+            </a:ln>
+          </p:spPr>
+          <p:style>
+            <a:lnRef idx="1">
+              <a:schemeClr val="accent1"/>
+            </a:lnRef>
+            <a:fillRef idx="0">
+              <a:schemeClr val="accent1"/>
+            </a:fillRef>
+            <a:effectRef idx="0">
+              <a:schemeClr val="accent1"/>
+            </a:effectRef>
+            <a:fontRef idx="minor">
+              <a:schemeClr val="tx1"/>
+            </a:fontRef>
+          </p:style>
+        </p:cxnSp>
+        <p:grpSp>
+          <p:nvGrpSpPr>
+            <p:cNvPr id="20" name="グループ化 19"/>
+            <p:cNvGrpSpPr/>
+            <p:nvPr/>
+          </p:nvGrpSpPr>
+          <p:grpSpPr>
+            <a:xfrm>
+              <a:off x="268083" y="3251047"/>
+              <a:ext cx="4975249" cy="2571402"/>
+              <a:chOff x="268083" y="3251047"/>
+              <a:chExt cx="4975249" cy="2571402"/>
+            </a:xfrm>
+          </p:grpSpPr>
+          <p:sp>
+            <p:nvSpPr>
+              <p:cNvPr id="39" name="正方形/長方形 38"/>
+              <p:cNvSpPr/>
+              <p:nvPr/>
+            </p:nvSpPr>
+            <p:spPr>
+              <a:xfrm>
+                <a:off x="268083" y="3251047"/>
+                <a:ext cx="4975249" cy="2571402"/>
+              </a:xfrm>
+              <a:prstGeom prst="rect">
+                <a:avLst/>
+              </a:prstGeom>
+              <a:solidFill>
+                <a:schemeClr val="tx1"/>
+              </a:solidFill>
+              <a:ln>
+                <a:solidFill>
+                  <a:schemeClr val="accent6"/>
+                </a:solidFill>
+              </a:ln>
+            </p:spPr>
+            <p:style>
+              <a:lnRef idx="2">
+                <a:schemeClr val="accent1">
+                  <a:shade val="50000"/>
+                </a:schemeClr>
+              </a:lnRef>
+              <a:fillRef idx="1">
+                <a:schemeClr val="accent1"/>
+              </a:fillRef>
+              <a:effectRef idx="0">
+                <a:schemeClr val="accent1"/>
+              </a:effectRef>
+              <a:fontRef idx="minor">
+                <a:schemeClr val="lt1"/>
+              </a:fontRef>
+            </p:style>
+            <p:txBody>
+              <a:bodyPr rtlCol="0" anchor="ctr"/>
+              <a:lstStyle/>
+              <a:p>
+                <a:pPr algn="ctr"/>
+                <a:endParaRPr kumimoji="1" lang="ja-JP" altLang="en-US"/>
+              </a:p>
+            </p:txBody>
+          </p:sp>
+          <p:sp>
+            <p:nvSpPr>
+              <p:cNvPr id="3" name="四方向矢印 2"/>
+              <p:cNvSpPr/>
+              <p:nvPr/>
+            </p:nvSpPr>
+            <p:spPr>
+              <a:xfrm>
+                <a:off x="695797" y="3358509"/>
+                <a:ext cx="2401309" cy="2356478"/>
+              </a:xfrm>
+              <a:prstGeom prst="quadArrow">
+                <a:avLst>
+                  <a:gd name="adj1" fmla="val 9553"/>
+                  <a:gd name="adj2" fmla="val 11464"/>
+                  <a:gd name="adj3" fmla="val 10286"/>
+                </a:avLst>
+              </a:prstGeom>
+              <a:solidFill>
+                <a:schemeClr val="accent4"/>
+              </a:solidFill>
+              <a:ln w="19050">
+                <a:solidFill>
+                  <a:schemeClr val="accent2"/>
+                </a:solidFill>
+              </a:ln>
+            </p:spPr>
+            <p:style>
+              <a:lnRef idx="2">
+                <a:schemeClr val="accent1">
+                  <a:shade val="50000"/>
+                </a:schemeClr>
+              </a:lnRef>
+              <a:fillRef idx="1">
+                <a:schemeClr val="accent1"/>
+              </a:fillRef>
+              <a:effectRef idx="0">
+                <a:schemeClr val="accent1"/>
+              </a:effectRef>
+              <a:fontRef idx="minor">
+                <a:schemeClr val="lt1"/>
+              </a:fontRef>
+            </p:style>
+            <p:txBody>
+              <a:bodyPr rtlCol="0" anchor="ctr"/>
+              <a:lstStyle/>
+              <a:p>
+                <a:pPr algn="ctr"/>
+                <a:endParaRPr kumimoji="1" lang="ja-JP" altLang="en-US"/>
+              </a:p>
+            </p:txBody>
+          </p:sp>
+          <p:pic>
+            <p:nvPicPr>
+              <p:cNvPr id="2" name="図 1"/>
+              <p:cNvPicPr>
+                <a:picLocks noChangeAspect="1"/>
+              </p:cNvPicPr>
+              <p:nvPr/>
+            </p:nvPicPr>
+            <p:blipFill>
+              <a:blip r:embed="rId3">
+                <a:extLst>
+                  <a:ext uri="{28A0092B-C50C-407E-A947-70E740481C1C}">
+                    <a14:useLocalDpi xmlns:a14="http://schemas.microsoft.com/office/drawing/2010/main" val="0"/>
+                  </a:ext>
+                </a:extLst>
+              </a:blip>
+              <a:stretch>
+                <a:fillRect/>
+              </a:stretch>
+            </p:blipFill>
+            <p:spPr>
+              <a:xfrm>
+                <a:off x="1405757" y="3760982"/>
+                <a:ext cx="981391" cy="1551532"/>
+              </a:xfrm>
+              <a:prstGeom prst="rect">
+                <a:avLst/>
+              </a:prstGeom>
+            </p:spPr>
+          </p:pic>
+          <p:grpSp>
+            <p:nvGrpSpPr>
+              <p:cNvPr id="47" name="グループ化 46"/>
+              <p:cNvGrpSpPr/>
+              <p:nvPr/>
+            </p:nvGrpSpPr>
+            <p:grpSpPr>
+              <a:xfrm>
+                <a:off x="525156" y="3655677"/>
+                <a:ext cx="1204238" cy="465668"/>
+                <a:chOff x="752078" y="1208903"/>
+                <a:chExt cx="1204238" cy="465668"/>
+              </a:xfrm>
+            </p:grpSpPr>
+            <p:cxnSp>
+              <p:nvCxnSpPr>
+                <p:cNvPr id="48" name="直線コネクタ 47"/>
+                <p:cNvCxnSpPr>
+                  <a:endCxn id="52" idx="3"/>
+                </p:cNvCxnSpPr>
+                <p:nvPr/>
+              </p:nvCxnSpPr>
+              <p:spPr>
+                <a:xfrm flipH="1" flipV="1">
+                  <a:off x="1618748" y="1388202"/>
+                  <a:ext cx="236258" cy="198856"/>
+                </a:xfrm>
+                <a:prstGeom prst="line">
+                  <a:avLst/>
+                </a:prstGeom>
+                <a:ln w="38100">
+                  <a:solidFill>
+                    <a:schemeClr val="accent6"/>
+                  </a:solidFill>
+                </a:ln>
+              </p:spPr>
+              <p:style>
+                <a:lnRef idx="1">
+                  <a:schemeClr val="accent1"/>
+                </a:lnRef>
+                <a:fillRef idx="0">
+                  <a:schemeClr val="accent1"/>
+                </a:fillRef>
+                <a:effectRef idx="0">
+                  <a:schemeClr val="accent1"/>
+                </a:effectRef>
+                <a:fontRef idx="minor">
+                  <a:schemeClr val="tx1"/>
+                </a:fontRef>
+              </p:style>
+            </p:cxnSp>
+            <p:grpSp>
+              <p:nvGrpSpPr>
+                <p:cNvPr id="50" name="グループ化 49"/>
+                <p:cNvGrpSpPr/>
+                <p:nvPr/>
+              </p:nvGrpSpPr>
+              <p:grpSpPr>
+                <a:xfrm>
+                  <a:off x="752078" y="1208903"/>
+                  <a:ext cx="1204238" cy="465668"/>
+                  <a:chOff x="737632" y="2216584"/>
+                  <a:chExt cx="1022061" cy="436062"/>
+                </a:xfrm>
+              </p:grpSpPr>
+              <p:sp>
+                <p:nvSpPr>
+                  <p:cNvPr id="51" name="楕円 50"/>
+                  <p:cNvSpPr/>
+                  <p:nvPr/>
+                </p:nvSpPr>
+                <p:spPr>
+                  <a:xfrm>
+                    <a:off x="1658080" y="2552382"/>
+                    <a:ext cx="101613" cy="100264"/>
+                  </a:xfrm>
+                  <a:prstGeom prst="ellipse">
+                    <a:avLst/>
+                  </a:prstGeom>
+                  <a:solidFill>
+                    <a:schemeClr val="accent6"/>
+                  </a:solidFill>
+                  <a:ln>
+                    <a:noFill/>
+                  </a:ln>
+                </p:spPr>
+                <p:style>
+                  <a:lnRef idx="2">
+                    <a:schemeClr val="accent1">
+                      <a:shade val="50000"/>
+                    </a:schemeClr>
+                  </a:lnRef>
+                  <a:fillRef idx="1">
+                    <a:schemeClr val="accent1"/>
+                  </a:fillRef>
+                  <a:effectRef idx="0">
+                    <a:schemeClr val="accent1"/>
+                  </a:effectRef>
+                  <a:fontRef idx="minor">
+                    <a:schemeClr val="lt1"/>
+                  </a:fontRef>
+                </p:style>
+                <p:txBody>
+                  <a:bodyPr rtlCol="0" anchor="ctr"/>
+                  <a:lstStyle/>
+                  <a:p>
+                    <a:pPr algn="ctr"/>
+                    <a:endParaRPr kumimoji="1" lang="ja-JP" altLang="en-US"/>
+                  </a:p>
+                </p:txBody>
+              </p:sp>
+              <p:sp>
+                <p:nvSpPr>
+                  <p:cNvPr id="52" name="正方形/長方形 51"/>
+                  <p:cNvSpPr/>
+                  <p:nvPr/>
+                </p:nvSpPr>
+                <p:spPr>
+                  <a:xfrm>
+                    <a:off x="737632" y="2216584"/>
+                    <a:ext cx="735560" cy="335798"/>
+                  </a:xfrm>
+                  <a:prstGeom prst="rect">
+                    <a:avLst/>
+                  </a:prstGeom>
+                  <a:solidFill>
+                    <a:schemeClr val="tx1"/>
+                  </a:solidFill>
+                  <a:ln w="38100">
+                    <a:solidFill>
+                      <a:schemeClr val="accent6"/>
+                    </a:solidFill>
+                  </a:ln>
+                </p:spPr>
+                <p:style>
+                  <a:lnRef idx="2">
+                    <a:schemeClr val="accent1">
+                      <a:shade val="50000"/>
+                    </a:schemeClr>
+                  </a:lnRef>
+                  <a:fillRef idx="1">
+                    <a:schemeClr val="accent1"/>
+                  </a:fillRef>
+                  <a:effectRef idx="0">
+                    <a:schemeClr val="accent1"/>
+                  </a:effectRef>
+                  <a:fontRef idx="minor">
+                    <a:schemeClr val="lt1"/>
+                  </a:fontRef>
+                </p:style>
+                <p:txBody>
+                  <a:bodyPr rtlCol="0" anchor="ctr"/>
+                  <a:lstStyle/>
+                  <a:p>
+                    <a:pPr algn="ctr"/>
+                    <a:r>
+                      <a:rPr lang="ja-JP" altLang="en-US" b="1" dirty="0" smtClean="0">
+                        <a:latin typeface="メイリオ" panose="020B0604030504040204" pitchFamily="50" charset="-128"/>
+                        <a:ea typeface="メイリオ" panose="020B0604030504040204" pitchFamily="50" charset="-128"/>
+                      </a:rPr>
+                      <a:t>攻撃</a:t>
+                    </a:r>
+                    <a:endParaRPr kumimoji="1" lang="ja-JP" altLang="en-US" b="1" dirty="0">
+                      <a:latin typeface="メイリオ" panose="020B0604030504040204" pitchFamily="50" charset="-128"/>
+                      <a:ea typeface="メイリオ" panose="020B0604030504040204" pitchFamily="50" charset="-128"/>
+                    </a:endParaRPr>
+                  </a:p>
+                </p:txBody>
+              </p:sp>
+            </p:grpSp>
+          </p:grpSp>
+          <p:grpSp>
+            <p:nvGrpSpPr>
+              <p:cNvPr id="54" name="グループ化 53"/>
+              <p:cNvGrpSpPr/>
+              <p:nvPr/>
+            </p:nvGrpSpPr>
+            <p:grpSpPr>
+              <a:xfrm>
+                <a:off x="2081935" y="3602269"/>
+                <a:ext cx="1725130" cy="519078"/>
+                <a:chOff x="382521" y="1208905"/>
+                <a:chExt cx="1725130" cy="519078"/>
+              </a:xfrm>
+            </p:grpSpPr>
+            <p:cxnSp>
+              <p:nvCxnSpPr>
+                <p:cNvPr id="55" name="直線コネクタ 54"/>
+                <p:cNvCxnSpPr>
+                  <a:stCxn id="71" idx="7"/>
+                  <a:endCxn id="72" idx="1"/>
+                </p:cNvCxnSpPr>
+                <p:nvPr/>
+              </p:nvCxnSpPr>
+              <p:spPr>
+                <a:xfrm flipV="1">
+                  <a:off x="484713" y="1388204"/>
+                  <a:ext cx="267363" cy="248388"/>
+                </a:xfrm>
+                <a:prstGeom prst="line">
+                  <a:avLst/>
+                </a:prstGeom>
+                <a:ln w="38100">
+                  <a:solidFill>
+                    <a:schemeClr val="accent6"/>
+                  </a:solidFill>
+                </a:ln>
+              </p:spPr>
+              <p:style>
+                <a:lnRef idx="1">
+                  <a:schemeClr val="accent1"/>
+                </a:lnRef>
+                <a:fillRef idx="0">
+                  <a:schemeClr val="accent1"/>
+                </a:fillRef>
+                <a:effectRef idx="0">
+                  <a:schemeClr val="accent1"/>
+                </a:effectRef>
+                <a:fontRef idx="minor">
+                  <a:schemeClr val="tx1"/>
+                </a:fontRef>
+              </p:style>
+            </p:cxnSp>
+            <p:grpSp>
+              <p:nvGrpSpPr>
+                <p:cNvPr id="70" name="グループ化 69"/>
+                <p:cNvGrpSpPr/>
+                <p:nvPr/>
+              </p:nvGrpSpPr>
+              <p:grpSpPr>
+                <a:xfrm>
+                  <a:off x="382521" y="1208905"/>
+                  <a:ext cx="1725130" cy="519078"/>
+                  <a:chOff x="423982" y="2216584"/>
+                  <a:chExt cx="1464153" cy="486076"/>
+                </a:xfrm>
+              </p:grpSpPr>
+              <p:sp>
+                <p:nvSpPr>
+                  <p:cNvPr id="71" name="楕円 70"/>
+                  <p:cNvSpPr/>
+                  <p:nvPr/>
+                </p:nvSpPr>
+                <p:spPr>
+                  <a:xfrm>
+                    <a:off x="423982" y="2602396"/>
+                    <a:ext cx="101613" cy="100264"/>
+                  </a:xfrm>
+                  <a:prstGeom prst="ellipse">
+                    <a:avLst/>
+                  </a:prstGeom>
+                  <a:solidFill>
+                    <a:schemeClr val="accent6"/>
+                  </a:solidFill>
+                  <a:ln>
+                    <a:noFill/>
+                  </a:ln>
+                </p:spPr>
+                <p:style>
+                  <a:lnRef idx="2">
+                    <a:schemeClr val="accent1">
+                      <a:shade val="50000"/>
+                    </a:schemeClr>
+                  </a:lnRef>
+                  <a:fillRef idx="1">
+                    <a:schemeClr val="accent1"/>
+                  </a:fillRef>
+                  <a:effectRef idx="0">
+                    <a:schemeClr val="accent1"/>
+                  </a:effectRef>
+                  <a:fontRef idx="minor">
+                    <a:schemeClr val="lt1"/>
+                  </a:fontRef>
+                </p:style>
+                <p:txBody>
+                  <a:bodyPr rtlCol="0" anchor="ctr"/>
+                  <a:lstStyle/>
+                  <a:p>
+                    <a:pPr algn="ctr"/>
+                    <a:endParaRPr kumimoji="1" lang="ja-JP" altLang="en-US"/>
+                  </a:p>
+                </p:txBody>
+              </p:sp>
+              <p:sp>
+                <p:nvSpPr>
+                  <p:cNvPr id="72" name="正方形/長方形 71"/>
+                  <p:cNvSpPr/>
+                  <p:nvPr/>
+                </p:nvSpPr>
+                <p:spPr>
+                  <a:xfrm>
+                    <a:off x="737631" y="2216584"/>
+                    <a:ext cx="1150504" cy="335798"/>
+                  </a:xfrm>
+                  <a:prstGeom prst="rect">
+                    <a:avLst/>
+                  </a:prstGeom>
+                  <a:solidFill>
+                    <a:schemeClr val="tx1"/>
+                  </a:solidFill>
+                  <a:ln w="38100">
+                    <a:solidFill>
+                      <a:schemeClr val="accent6"/>
+                    </a:solidFill>
+                  </a:ln>
+                </p:spPr>
+                <p:style>
+                  <a:lnRef idx="2">
+                    <a:schemeClr val="accent1">
+                      <a:shade val="50000"/>
+                    </a:schemeClr>
+                  </a:lnRef>
+                  <a:fillRef idx="1">
+                    <a:schemeClr val="accent1"/>
+                  </a:fillRef>
+                  <a:effectRef idx="0">
+                    <a:schemeClr val="accent1"/>
+                  </a:effectRef>
+                  <a:fontRef idx="minor">
+                    <a:schemeClr val="lt1"/>
+                  </a:fontRef>
+                </p:style>
+                <p:txBody>
+                  <a:bodyPr rtlCol="0" anchor="ctr"/>
+                  <a:lstStyle/>
+                  <a:p>
+                    <a:pPr algn="ctr"/>
+                    <a:r>
+                      <a:rPr lang="ja-JP" altLang="en-US" b="1" dirty="0" smtClean="0">
+                        <a:latin typeface="メイリオ" panose="020B0604030504040204" pitchFamily="50" charset="-128"/>
+                        <a:ea typeface="メイリオ" panose="020B0604030504040204" pitchFamily="50" charset="-128"/>
+                      </a:rPr>
+                      <a:t>リロード</a:t>
+                    </a:r>
+                    <a:endParaRPr kumimoji="1" lang="ja-JP" altLang="en-US" b="1" dirty="0">
+                      <a:latin typeface="メイリオ" panose="020B0604030504040204" pitchFamily="50" charset="-128"/>
+                      <a:ea typeface="メイリオ" panose="020B0604030504040204" pitchFamily="50" charset="-128"/>
+                    </a:endParaRPr>
+                  </a:p>
+                </p:txBody>
+              </p:sp>
+            </p:grpSp>
+          </p:grpSp>
+          <p:sp>
+            <p:nvSpPr>
+              <p:cNvPr id="73" name="正方形/長方形 72"/>
+              <p:cNvSpPr/>
+              <p:nvPr/>
+            </p:nvSpPr>
+            <p:spPr>
+              <a:xfrm>
+                <a:off x="3253740" y="4976019"/>
+                <a:ext cx="1859280" cy="738968"/>
+              </a:xfrm>
+              <a:prstGeom prst="rect">
+                <a:avLst/>
+              </a:prstGeom>
+              <a:solidFill>
+                <a:schemeClr val="tx1"/>
+              </a:solidFill>
+              <a:ln w="38100">
+                <a:solidFill>
+                  <a:schemeClr val="accent6"/>
+                </a:solidFill>
+              </a:ln>
+            </p:spPr>
+            <p:style>
+              <a:lnRef idx="2">
+                <a:schemeClr val="accent1">
+                  <a:shade val="50000"/>
+                </a:schemeClr>
+              </a:lnRef>
+              <a:fillRef idx="1">
+                <a:schemeClr val="accent1"/>
+              </a:fillRef>
+              <a:effectRef idx="0">
+                <a:schemeClr val="accent1"/>
+              </a:effectRef>
+              <a:fontRef idx="minor">
+                <a:schemeClr val="lt1"/>
+              </a:fontRef>
+            </p:style>
+            <p:txBody>
+              <a:bodyPr rtlCol="0" anchor="ctr"/>
+              <a:lstStyle/>
+              <a:p>
+                <a:r>
+                  <a:rPr lang="ja-JP" altLang="en-US" b="1" dirty="0" smtClean="0">
+                    <a:latin typeface="メイリオ" panose="020B0604030504040204" pitchFamily="50" charset="-128"/>
+                    <a:ea typeface="メイリオ" panose="020B0604030504040204" pitchFamily="50" charset="-128"/>
+                  </a:rPr>
+                  <a:t>視点移動</a:t>
+                </a:r>
+                <a:endParaRPr lang="en-US" altLang="ja-JP" b="1" dirty="0" smtClean="0">
+                  <a:latin typeface="メイリオ" panose="020B0604030504040204" pitchFamily="50" charset="-128"/>
+                  <a:ea typeface="メイリオ" panose="020B0604030504040204" pitchFamily="50" charset="-128"/>
+                </a:endParaRPr>
+              </a:p>
+              <a:p>
+                <a:r>
+                  <a:rPr kumimoji="1" lang="en-US" altLang="ja-JP" b="1" dirty="0" smtClean="0">
+                    <a:latin typeface="メイリオ" panose="020B0604030504040204" pitchFamily="50" charset="-128"/>
+                    <a:ea typeface="メイリオ" panose="020B0604030504040204" pitchFamily="50" charset="-128"/>
+                  </a:rPr>
+                  <a:t>(</a:t>
+                </a:r>
+                <a:r>
+                  <a:rPr kumimoji="1" lang="ja-JP" altLang="en-US" b="1" dirty="0" smtClean="0">
+                    <a:latin typeface="メイリオ" panose="020B0604030504040204" pitchFamily="50" charset="-128"/>
+                    <a:ea typeface="メイリオ" panose="020B0604030504040204" pitchFamily="50" charset="-128"/>
+                  </a:rPr>
+                  <a:t>マウス移動</a:t>
+                </a:r>
+                <a:r>
+                  <a:rPr kumimoji="1" lang="en-US" altLang="ja-JP" b="1" dirty="0" smtClean="0">
+                    <a:latin typeface="メイリオ" panose="020B0604030504040204" pitchFamily="50" charset="-128"/>
+                    <a:ea typeface="メイリオ" panose="020B0604030504040204" pitchFamily="50" charset="-128"/>
+                  </a:rPr>
+                  <a:t>)</a:t>
+                </a:r>
+                <a:endParaRPr kumimoji="1" lang="ja-JP" altLang="en-US" b="1" dirty="0">
+                  <a:latin typeface="メイリオ" panose="020B0604030504040204" pitchFamily="50" charset="-128"/>
+                  <a:ea typeface="メイリオ" panose="020B0604030504040204" pitchFamily="50" charset="-128"/>
+                </a:endParaRPr>
+              </a:p>
+            </p:txBody>
+          </p:sp>
+        </p:grpSp>
+      </p:grpSp>
+      <p:grpSp>
+        <p:nvGrpSpPr>
+          <p:cNvPr id="89" name="グループ化 88"/>
+          <p:cNvGrpSpPr/>
+          <p:nvPr/>
+        </p:nvGrpSpPr>
+        <p:grpSpPr>
+          <a:xfrm>
+            <a:off x="5924159" y="3251047"/>
+            <a:ext cx="4975249" cy="2571402"/>
+            <a:chOff x="268083" y="3251047"/>
+            <a:chExt cx="4975249" cy="2571402"/>
+          </a:xfrm>
+        </p:grpSpPr>
+        <p:sp>
+          <p:nvSpPr>
+            <p:cNvPr id="90" name="正方形/長方形 89"/>
+            <p:cNvSpPr/>
+            <p:nvPr/>
+          </p:nvSpPr>
+          <p:spPr>
+            <a:xfrm>
+              <a:off x="268083" y="3251047"/>
+              <a:ext cx="4975249" cy="2571402"/>
+            </a:xfrm>
+            <a:prstGeom prst="rect">
+              <a:avLst/>
+            </a:prstGeom>
+            <a:solidFill>
+              <a:schemeClr val="tx1"/>
+            </a:solidFill>
+            <a:ln>
+              <a:solidFill>
+                <a:schemeClr val="accent6"/>
+              </a:solidFill>
+            </a:ln>
+          </p:spPr>
+          <p:style>
+            <a:lnRef idx="2">
+              <a:schemeClr val="accent1">
+                <a:shade val="50000"/>
+              </a:schemeClr>
+            </a:lnRef>
+            <a:fillRef idx="1">
+              <a:schemeClr val="accent1"/>
+            </a:fillRef>
+            <a:effectRef idx="0">
+              <a:schemeClr val="accent1"/>
+            </a:effectRef>
+            <a:fontRef idx="minor">
+              <a:schemeClr val="lt1"/>
+            </a:fontRef>
+          </p:style>
+          <p:txBody>
+            <a:bodyPr rtlCol="0" anchor="ctr"/>
+            <a:lstStyle/>
+            <a:p>
+              <a:pPr algn="ctr"/>
+              <a:endParaRPr kumimoji="1" lang="ja-JP" altLang="en-US"/>
+            </a:p>
+          </p:txBody>
+        </p:sp>
+        <p:sp>
+          <p:nvSpPr>
+            <p:cNvPr id="91" name="四方向矢印 90"/>
+            <p:cNvSpPr/>
+            <p:nvPr/>
+          </p:nvSpPr>
+          <p:spPr>
+            <a:xfrm>
+              <a:off x="695797" y="3358509"/>
+              <a:ext cx="2401309" cy="2356478"/>
+            </a:xfrm>
+            <a:prstGeom prst="quadArrow">
+              <a:avLst>
+                <a:gd name="adj1" fmla="val 9553"/>
+                <a:gd name="adj2" fmla="val 11464"/>
+                <a:gd name="adj3" fmla="val 10286"/>
+              </a:avLst>
+            </a:prstGeom>
+            <a:solidFill>
+              <a:schemeClr val="accent4"/>
+            </a:solidFill>
+            <a:ln w="19050">
+              <a:solidFill>
+                <a:schemeClr val="accent2"/>
+              </a:solidFill>
+            </a:ln>
+          </p:spPr>
+          <p:style>
+            <a:lnRef idx="2">
+              <a:schemeClr val="accent1">
+                <a:shade val="50000"/>
+              </a:schemeClr>
+            </a:lnRef>
+            <a:fillRef idx="1">
+              <a:schemeClr val="accent1"/>
+            </a:fillRef>
+            <a:effectRef idx="0">
+              <a:schemeClr val="accent1"/>
+            </a:effectRef>
+            <a:fontRef idx="minor">
+              <a:schemeClr val="lt1"/>
+            </a:fontRef>
+          </p:style>
+          <p:txBody>
+            <a:bodyPr rtlCol="0" anchor="ctr"/>
+            <a:lstStyle/>
+            <a:p>
+              <a:pPr algn="ctr"/>
+              <a:endParaRPr kumimoji="1" lang="ja-JP" altLang="en-US"/>
+            </a:p>
+          </p:txBody>
+        </p:sp>
+        <p:pic>
+          <p:nvPicPr>
+            <p:cNvPr id="92" name="図 91"/>
+            <p:cNvPicPr>
+              <a:picLocks noChangeAspect="1"/>
+            </p:cNvPicPr>
+            <p:nvPr/>
+          </p:nvPicPr>
+          <p:blipFill>
+            <a:blip r:embed="rId3">
+              <a:extLst>
+                <a:ext uri="{28A0092B-C50C-407E-A947-70E740481C1C}">
+                  <a14:useLocalDpi xmlns:a14="http://schemas.microsoft.com/office/drawing/2010/main" val="0"/>
+                </a:ext>
+              </a:extLst>
+            </a:blip>
+            <a:stretch>
+              <a:fillRect/>
+            </a:stretch>
+          </p:blipFill>
+          <p:spPr>
+            <a:xfrm>
+              <a:off x="1405757" y="3760982"/>
+              <a:ext cx="981391" cy="1551532"/>
+            </a:xfrm>
+            <a:prstGeom prst="rect">
+              <a:avLst/>
+            </a:prstGeom>
+          </p:spPr>
+        </p:pic>
+        <p:grpSp>
+          <p:nvGrpSpPr>
+            <p:cNvPr id="93" name="グループ化 92"/>
+            <p:cNvGrpSpPr/>
+            <p:nvPr/>
+          </p:nvGrpSpPr>
+          <p:grpSpPr>
+            <a:xfrm>
+              <a:off x="525156" y="3655677"/>
+              <a:ext cx="1204238" cy="465668"/>
+              <a:chOff x="752078" y="1208903"/>
+              <a:chExt cx="1204238" cy="465668"/>
+            </a:xfrm>
+          </p:grpSpPr>
+          <p:cxnSp>
+            <p:nvCxnSpPr>
+              <p:cNvPr id="100" name="直線コネクタ 99"/>
+              <p:cNvCxnSpPr>
+                <a:endCxn id="103" idx="3"/>
+              </p:cNvCxnSpPr>
+              <p:nvPr/>
+            </p:nvCxnSpPr>
+            <p:spPr>
+              <a:xfrm flipH="1" flipV="1">
+                <a:off x="1618748" y="1388202"/>
+                <a:ext cx="236258" cy="198856"/>
+              </a:xfrm>
+              <a:prstGeom prst="line">
+                <a:avLst/>
+              </a:prstGeom>
+              <a:ln w="38100">
+                <a:solidFill>
+                  <a:schemeClr val="accent6"/>
+                </a:solidFill>
+              </a:ln>
+            </p:spPr>
+            <p:style>
+              <a:lnRef idx="1">
+                <a:schemeClr val="accent1"/>
+              </a:lnRef>
+              <a:fillRef idx="0">
+                <a:schemeClr val="accent1"/>
+              </a:fillRef>
+              <a:effectRef idx="0">
+                <a:schemeClr val="accent1"/>
+              </a:effectRef>
+              <a:fontRef idx="minor">
+                <a:schemeClr val="tx1"/>
+              </a:fontRef>
+            </p:style>
+          </p:cxnSp>
+          <p:grpSp>
+            <p:nvGrpSpPr>
+              <p:cNvPr id="101" name="グループ化 100"/>
+              <p:cNvGrpSpPr/>
+              <p:nvPr/>
+            </p:nvGrpSpPr>
+            <p:grpSpPr>
+              <a:xfrm>
+                <a:off x="752078" y="1208903"/>
+                <a:ext cx="1204238" cy="465668"/>
+                <a:chOff x="737632" y="2216584"/>
+                <a:chExt cx="1022061" cy="436062"/>
+              </a:xfrm>
+            </p:grpSpPr>
+            <p:sp>
+              <p:nvSpPr>
+                <p:cNvPr id="102" name="楕円 101"/>
+                <p:cNvSpPr/>
+                <p:nvPr/>
+              </p:nvSpPr>
+              <p:spPr>
+                <a:xfrm>
+                  <a:off x="1658080" y="2552382"/>
+                  <a:ext cx="101613" cy="100264"/>
+                </a:xfrm>
+                <a:prstGeom prst="ellipse">
+                  <a:avLst/>
+                </a:prstGeom>
+                <a:solidFill>
+                  <a:schemeClr val="accent6"/>
+                </a:solidFill>
+                <a:ln>
+                  <a:noFill/>
+                </a:ln>
+              </p:spPr>
+              <p:style>
+                <a:lnRef idx="2">
+                  <a:schemeClr val="accent1">
+                    <a:shade val="50000"/>
+                  </a:schemeClr>
+                </a:lnRef>
+                <a:fillRef idx="1">
+                  <a:schemeClr val="accent1"/>
+                </a:fillRef>
+                <a:effectRef idx="0">
+                  <a:schemeClr val="accent1"/>
+                </a:effectRef>
+                <a:fontRef idx="minor">
+                  <a:schemeClr val="lt1"/>
+                </a:fontRef>
+              </p:style>
+              <p:txBody>
+                <a:bodyPr rtlCol="0" anchor="ctr"/>
+                <a:lstStyle/>
+                <a:p>
+                  <a:pPr algn="ctr"/>
+                  <a:endParaRPr kumimoji="1" lang="ja-JP" altLang="en-US"/>
+                </a:p>
+              </p:txBody>
+            </p:sp>
+            <p:sp>
+              <p:nvSpPr>
+                <p:cNvPr id="103" name="正方形/長方形 102"/>
+                <p:cNvSpPr/>
+                <p:nvPr/>
+              </p:nvSpPr>
+              <p:spPr>
+                <a:xfrm>
+                  <a:off x="737632" y="2216584"/>
+                  <a:ext cx="735560" cy="335798"/>
+                </a:xfrm>
+                <a:prstGeom prst="rect">
+                  <a:avLst/>
+                </a:prstGeom>
+                <a:solidFill>
+                  <a:schemeClr val="tx1"/>
+                </a:solidFill>
+                <a:ln w="38100">
+                  <a:solidFill>
+                    <a:schemeClr val="accent6"/>
+                  </a:solidFill>
+                </a:ln>
+              </p:spPr>
+              <p:style>
+                <a:lnRef idx="2">
+                  <a:schemeClr val="accent1">
+                    <a:shade val="50000"/>
+                  </a:schemeClr>
+                </a:lnRef>
+                <a:fillRef idx="1">
+                  <a:schemeClr val="accent1"/>
+                </a:fillRef>
+                <a:effectRef idx="0">
+                  <a:schemeClr val="accent1"/>
+                </a:effectRef>
+                <a:fontRef idx="minor">
+                  <a:schemeClr val="lt1"/>
+                </a:fontRef>
+              </p:style>
+              <p:txBody>
+                <a:bodyPr rtlCol="0" anchor="ctr"/>
+                <a:lstStyle/>
+                <a:p>
+                  <a:pPr algn="ctr"/>
+                  <a:r>
+                    <a:rPr lang="ja-JP" altLang="en-US" b="1" dirty="0" smtClean="0">
+                      <a:latin typeface="メイリオ" panose="020B0604030504040204" pitchFamily="50" charset="-128"/>
+                      <a:ea typeface="メイリオ" panose="020B0604030504040204" pitchFamily="50" charset="-128"/>
+                    </a:rPr>
+                    <a:t>攻撃</a:t>
+                  </a:r>
+                  <a:endParaRPr kumimoji="1" lang="ja-JP" altLang="en-US" b="1" dirty="0">
+                    <a:latin typeface="メイリオ" panose="020B0604030504040204" pitchFamily="50" charset="-128"/>
+                    <a:ea typeface="メイリオ" panose="020B0604030504040204" pitchFamily="50" charset="-128"/>
+                  </a:endParaRPr>
+                </a:p>
+              </p:txBody>
+            </p:sp>
+          </p:grpSp>
+        </p:grpSp>
+        <p:grpSp>
+          <p:nvGrpSpPr>
+            <p:cNvPr id="94" name="グループ化 93"/>
+            <p:cNvGrpSpPr/>
+            <p:nvPr/>
+          </p:nvGrpSpPr>
+          <p:grpSpPr>
+            <a:xfrm>
+              <a:off x="2081935" y="3602269"/>
+              <a:ext cx="1725130" cy="519078"/>
+              <a:chOff x="382521" y="1208905"/>
+              <a:chExt cx="1725130" cy="519078"/>
+            </a:xfrm>
+          </p:grpSpPr>
+          <p:cxnSp>
+            <p:nvCxnSpPr>
+              <p:cNvPr id="96" name="直線コネクタ 95"/>
+              <p:cNvCxnSpPr>
+                <a:stCxn id="98" idx="7"/>
+                <a:endCxn id="99" idx="1"/>
+              </p:cNvCxnSpPr>
+              <p:nvPr/>
+            </p:nvCxnSpPr>
+            <p:spPr>
+              <a:xfrm flipV="1">
+                <a:off x="484713" y="1388204"/>
+                <a:ext cx="267363" cy="248388"/>
+              </a:xfrm>
+              <a:prstGeom prst="line">
+                <a:avLst/>
+              </a:prstGeom>
+              <a:ln w="38100">
+                <a:solidFill>
+                  <a:schemeClr val="accent6"/>
+                </a:solidFill>
+              </a:ln>
+            </p:spPr>
+            <p:style>
+              <a:lnRef idx="1">
+                <a:schemeClr val="accent1"/>
+              </a:lnRef>
+              <a:fillRef idx="0">
+                <a:schemeClr val="accent1"/>
+              </a:fillRef>
+              <a:effectRef idx="0">
+                <a:schemeClr val="accent1"/>
+              </a:effectRef>
+              <a:fontRef idx="minor">
+                <a:schemeClr val="tx1"/>
+              </a:fontRef>
+            </p:style>
+          </p:cxnSp>
+          <p:grpSp>
+            <p:nvGrpSpPr>
+              <p:cNvPr id="97" name="グループ化 96"/>
+              <p:cNvGrpSpPr/>
+              <p:nvPr/>
+            </p:nvGrpSpPr>
+            <p:grpSpPr>
+              <a:xfrm>
+                <a:off x="382521" y="1208905"/>
+                <a:ext cx="1725130" cy="519078"/>
+                <a:chOff x="423982" y="2216584"/>
+                <a:chExt cx="1464153" cy="486076"/>
+              </a:xfrm>
+            </p:grpSpPr>
+            <p:sp>
+              <p:nvSpPr>
+                <p:cNvPr id="98" name="楕円 97"/>
+                <p:cNvSpPr/>
+                <p:nvPr/>
+              </p:nvSpPr>
+              <p:spPr>
+                <a:xfrm>
+                  <a:off x="423982" y="2602396"/>
+                  <a:ext cx="101613" cy="100264"/>
+                </a:xfrm>
+                <a:prstGeom prst="ellipse">
+                  <a:avLst/>
+                </a:prstGeom>
+                <a:solidFill>
+                  <a:schemeClr val="accent6"/>
+                </a:solidFill>
+                <a:ln>
+                  <a:noFill/>
+                </a:ln>
+              </p:spPr>
+              <p:style>
+                <a:lnRef idx="2">
+                  <a:schemeClr val="accent1">
+                    <a:shade val="50000"/>
+                  </a:schemeClr>
+                </a:lnRef>
+                <a:fillRef idx="1">
+                  <a:schemeClr val="accent1"/>
+                </a:fillRef>
+                <a:effectRef idx="0">
+                  <a:schemeClr val="accent1"/>
+                </a:effectRef>
+                <a:fontRef idx="minor">
+                  <a:schemeClr val="lt1"/>
+                </a:fontRef>
+              </p:style>
+              <p:txBody>
+                <a:bodyPr rtlCol="0" anchor="ctr"/>
+                <a:lstStyle/>
+                <a:p>
+                  <a:pPr algn="ctr"/>
+                  <a:endParaRPr kumimoji="1" lang="ja-JP" altLang="en-US"/>
+                </a:p>
+              </p:txBody>
+            </p:sp>
+            <p:sp>
+              <p:nvSpPr>
+                <p:cNvPr id="99" name="正方形/長方形 98"/>
+                <p:cNvSpPr/>
+                <p:nvPr/>
+              </p:nvSpPr>
+              <p:spPr>
+                <a:xfrm>
+                  <a:off x="737631" y="2216584"/>
+                  <a:ext cx="1150504" cy="335798"/>
+                </a:xfrm>
+                <a:prstGeom prst="rect">
+                  <a:avLst/>
+                </a:prstGeom>
+                <a:solidFill>
+                  <a:schemeClr val="tx1"/>
+                </a:solidFill>
+                <a:ln w="38100">
+                  <a:solidFill>
+                    <a:schemeClr val="accent6"/>
+                  </a:solidFill>
+                </a:ln>
+              </p:spPr>
+              <p:style>
+                <a:lnRef idx="2">
+                  <a:schemeClr val="accent1">
+                    <a:shade val="50000"/>
+                  </a:schemeClr>
+                </a:lnRef>
+                <a:fillRef idx="1">
+                  <a:schemeClr val="accent1"/>
+                </a:fillRef>
+                <a:effectRef idx="0">
+                  <a:schemeClr val="accent1"/>
+                </a:effectRef>
+                <a:fontRef idx="minor">
+                  <a:schemeClr val="lt1"/>
+                </a:fontRef>
+              </p:style>
+              <p:txBody>
+                <a:bodyPr rtlCol="0" anchor="ctr"/>
+                <a:lstStyle/>
+                <a:p>
+                  <a:pPr algn="ctr"/>
+                  <a:r>
+                    <a:rPr lang="ja-JP" altLang="en-US" b="1" dirty="0" smtClean="0">
+                      <a:latin typeface="メイリオ" panose="020B0604030504040204" pitchFamily="50" charset="-128"/>
+                      <a:ea typeface="メイリオ" panose="020B0604030504040204" pitchFamily="50" charset="-128"/>
+                    </a:rPr>
+                    <a:t>リロード</a:t>
+                  </a:r>
+                  <a:endParaRPr kumimoji="1" lang="ja-JP" altLang="en-US" b="1" dirty="0">
+                    <a:latin typeface="メイリオ" panose="020B0604030504040204" pitchFamily="50" charset="-128"/>
+                    <a:ea typeface="メイリオ" panose="020B0604030504040204" pitchFamily="50" charset="-128"/>
+                  </a:endParaRPr>
+                </a:p>
+              </p:txBody>
+            </p:sp>
+          </p:grpSp>
+        </p:grpSp>
+        <p:sp>
+          <p:nvSpPr>
+            <p:cNvPr id="95" name="正方形/長方形 94"/>
+            <p:cNvSpPr/>
+            <p:nvPr/>
+          </p:nvSpPr>
+          <p:spPr>
+            <a:xfrm>
+              <a:off x="3253740" y="4976019"/>
+              <a:ext cx="1859280" cy="738968"/>
+            </a:xfrm>
+            <a:prstGeom prst="rect">
+              <a:avLst/>
+            </a:prstGeom>
+            <a:solidFill>
+              <a:schemeClr val="tx1"/>
+            </a:solidFill>
+            <a:ln w="38100">
+              <a:solidFill>
+                <a:schemeClr val="accent6"/>
+              </a:solidFill>
+            </a:ln>
+          </p:spPr>
+          <p:style>
+            <a:lnRef idx="2">
+              <a:schemeClr val="accent1">
+                <a:shade val="50000"/>
+              </a:schemeClr>
+            </a:lnRef>
+            <a:fillRef idx="1">
+              <a:schemeClr val="accent1"/>
+            </a:fillRef>
+            <a:effectRef idx="0">
+              <a:schemeClr val="accent1"/>
+            </a:effectRef>
+            <a:fontRef idx="minor">
+              <a:schemeClr val="lt1"/>
+            </a:fontRef>
+          </p:style>
+          <p:txBody>
+            <a:bodyPr rtlCol="0" anchor="ctr"/>
+            <a:lstStyle/>
+            <a:p>
+              <a:r>
+                <a:rPr lang="ja-JP" altLang="en-US" b="1" dirty="0" smtClean="0">
+                  <a:latin typeface="メイリオ" panose="020B0604030504040204" pitchFamily="50" charset="-128"/>
+                  <a:ea typeface="メイリオ" panose="020B0604030504040204" pitchFamily="50" charset="-128"/>
+                </a:rPr>
+                <a:t>視点移動</a:t>
+              </a:r>
+              <a:endParaRPr lang="en-US" altLang="ja-JP" b="1" dirty="0" smtClean="0">
+                <a:latin typeface="メイリオ" panose="020B0604030504040204" pitchFamily="50" charset="-128"/>
+                <a:ea typeface="メイリオ" panose="020B0604030504040204" pitchFamily="50" charset="-128"/>
+              </a:endParaRPr>
+            </a:p>
+            <a:p>
+              <a:r>
+                <a:rPr kumimoji="1" lang="en-US" altLang="ja-JP" b="1" dirty="0" smtClean="0">
+                  <a:latin typeface="メイリオ" panose="020B0604030504040204" pitchFamily="50" charset="-128"/>
+                  <a:ea typeface="メイリオ" panose="020B0604030504040204" pitchFamily="50" charset="-128"/>
+                </a:rPr>
+                <a:t>(</a:t>
+              </a:r>
+              <a:r>
+                <a:rPr kumimoji="1" lang="ja-JP" altLang="en-US" b="1" dirty="0" smtClean="0">
+                  <a:latin typeface="メイリオ" panose="020B0604030504040204" pitchFamily="50" charset="-128"/>
+                  <a:ea typeface="メイリオ" panose="020B0604030504040204" pitchFamily="50" charset="-128"/>
+                </a:rPr>
+                <a:t>マウス移動</a:t>
+              </a:r>
+              <a:r>
+                <a:rPr kumimoji="1" lang="en-US" altLang="ja-JP" b="1" dirty="0" smtClean="0">
+                  <a:latin typeface="メイリオ" panose="020B0604030504040204" pitchFamily="50" charset="-128"/>
+                  <a:ea typeface="メイリオ" panose="020B0604030504040204" pitchFamily="50" charset="-128"/>
+                </a:rPr>
+                <a:t>)</a:t>
+              </a:r>
+              <a:endParaRPr kumimoji="1" lang="ja-JP" altLang="en-US" b="1" dirty="0">
+                <a:latin typeface="メイリオ" panose="020B0604030504040204" pitchFamily="50" charset="-128"/>
+                <a:ea typeface="メイリオ" panose="020B0604030504040204" pitchFamily="50" charset="-128"/>
+              </a:endParaRPr>
+            </a:p>
+          </p:txBody>
+        </p:sp>
+      </p:grpSp>
     </p:spTree>
     <p:extLst>
       <p:ext uri="{BB962C8B-B14F-4D97-AF65-F5344CB8AC3E}">
         <p14:creationId xmlns:p14="http://schemas.microsoft.com/office/powerpoint/2010/main" val="2700682423"/>
+      </p:ext>
+    </p:extLst>
+  </p:cSld>
+  <p:clrMapOvr>
+    <a:masterClrMapping/>
+  </p:clrMapOvr>
+</p:sld>
+</file>
+
+<file path=ppt/slides/slide2.xml><?xml version="1.0" encoding="utf-8"?>
+<p:sld xmlns:a="http://schemas.openxmlformats.org/drawingml/2006/main" xmlns:r="http://schemas.openxmlformats.org/officeDocument/2006/relationships" xmlns:p="http://schemas.openxmlformats.org/presentationml/2006/main">
+  <p:cSld>
+    <p:spTree>
+      <p:nvGrpSpPr>
+        <p:cNvPr id="1" name=""/>
+        <p:cNvGrpSpPr/>
+        <p:nvPr/>
+      </p:nvGrpSpPr>
+      <p:grpSpPr>
+        <a:xfrm>
+          <a:off x="0" y="0"/>
+          <a:ext cx="0" cy="0"/>
+          <a:chOff x="0" y="0"/>
+          <a:chExt cx="0" cy="0"/>
+        </a:xfrm>
+      </p:grpSpPr>
+      <p:grpSp>
+        <p:nvGrpSpPr>
+          <p:cNvPr id="2" name="グループ化 1"/>
+          <p:cNvGrpSpPr/>
+          <p:nvPr/>
+        </p:nvGrpSpPr>
+        <p:grpSpPr>
+          <a:xfrm>
+            <a:off x="268083" y="636608"/>
+            <a:ext cx="4975249" cy="5185841"/>
+            <a:chOff x="268083" y="636608"/>
+            <a:chExt cx="4975249" cy="5185841"/>
+          </a:xfrm>
+        </p:grpSpPr>
+        <p:sp>
+          <p:nvSpPr>
+            <p:cNvPr id="74" name="正方形/長方形 73"/>
+            <p:cNvSpPr/>
+            <p:nvPr/>
+          </p:nvSpPr>
+          <p:spPr>
+            <a:xfrm>
+              <a:off x="268083" y="636608"/>
+              <a:ext cx="4975249" cy="2571402"/>
+            </a:xfrm>
+            <a:prstGeom prst="rect">
+              <a:avLst/>
+            </a:prstGeom>
+            <a:solidFill>
+              <a:schemeClr val="tx1"/>
+            </a:solidFill>
+            <a:ln>
+              <a:solidFill>
+                <a:schemeClr val="accent6"/>
+              </a:solidFill>
+            </a:ln>
+          </p:spPr>
+          <p:style>
+            <a:lnRef idx="2">
+              <a:schemeClr val="accent1">
+                <a:shade val="50000"/>
+              </a:schemeClr>
+            </a:lnRef>
+            <a:fillRef idx="1">
+              <a:schemeClr val="accent1"/>
+            </a:fillRef>
+            <a:effectRef idx="0">
+              <a:schemeClr val="accent1"/>
+            </a:effectRef>
+            <a:fontRef idx="minor">
+              <a:schemeClr val="lt1"/>
+            </a:fontRef>
+          </p:style>
+          <p:txBody>
+            <a:bodyPr rtlCol="0" anchor="ctr"/>
+            <a:lstStyle/>
+            <a:p>
+              <a:pPr algn="ctr"/>
+              <a:endParaRPr kumimoji="1" lang="ja-JP" altLang="en-US"/>
+            </a:p>
+          </p:txBody>
+        </p:sp>
+        <p:pic>
+          <p:nvPicPr>
+            <p:cNvPr id="75" name="図 74"/>
+            <p:cNvPicPr>
+              <a:picLocks noChangeAspect="1"/>
+            </p:cNvPicPr>
+            <p:nvPr/>
+          </p:nvPicPr>
+          <p:blipFill>
+            <a:blip r:embed="rId2" cstate="print">
+              <a:extLst>
+                <a:ext uri="{28A0092B-C50C-407E-A947-70E740481C1C}">
+                  <a14:useLocalDpi xmlns:a14="http://schemas.microsoft.com/office/drawing/2010/main" val="0"/>
+                </a:ext>
+              </a:extLst>
+            </a:blip>
+            <a:stretch>
+              <a:fillRect/>
+            </a:stretch>
+          </p:blipFill>
+          <p:spPr>
+            <a:xfrm>
+              <a:off x="2388021" y="1227343"/>
+              <a:ext cx="1503430" cy="1955472"/>
+            </a:xfrm>
+            <a:prstGeom prst="rect">
+              <a:avLst/>
+            </a:prstGeom>
+          </p:spPr>
+        </p:pic>
+        <p:cxnSp>
+          <p:nvCxnSpPr>
+            <p:cNvPr id="76" name="直線コネクタ 75"/>
+            <p:cNvCxnSpPr>
+              <a:stCxn id="77" idx="3"/>
+              <a:endCxn id="78" idx="3"/>
+            </p:cNvCxnSpPr>
+            <p:nvPr/>
+          </p:nvCxnSpPr>
+          <p:spPr>
+            <a:xfrm flipH="1">
+              <a:off x="2226895" y="2121798"/>
+              <a:ext cx="236256" cy="270854"/>
+            </a:xfrm>
+            <a:prstGeom prst="line">
+              <a:avLst/>
+            </a:prstGeom>
+            <a:ln w="38100">
+              <a:solidFill>
+                <a:schemeClr val="accent6"/>
+              </a:solidFill>
+            </a:ln>
+          </p:spPr>
+          <p:style>
+            <a:lnRef idx="1">
+              <a:schemeClr val="accent1"/>
+            </a:lnRef>
+            <a:fillRef idx="0">
+              <a:schemeClr val="accent1"/>
+            </a:fillRef>
+            <a:effectRef idx="0">
+              <a:schemeClr val="accent1"/>
+            </a:effectRef>
+            <a:fontRef idx="minor">
+              <a:schemeClr val="tx1"/>
+            </a:fontRef>
+          </p:style>
+        </p:cxnSp>
+        <p:sp>
+          <p:nvSpPr>
+            <p:cNvPr id="77" name="楕円 76"/>
+            <p:cNvSpPr/>
+            <p:nvPr/>
+          </p:nvSpPr>
+          <p:spPr>
+            <a:xfrm>
+              <a:off x="2444738" y="2026295"/>
+              <a:ext cx="125726" cy="111889"/>
+            </a:xfrm>
+            <a:prstGeom prst="ellipse">
+              <a:avLst/>
+            </a:prstGeom>
+            <a:solidFill>
+              <a:schemeClr val="accent6"/>
+            </a:solidFill>
+            <a:ln>
+              <a:noFill/>
+            </a:ln>
+          </p:spPr>
+          <p:style>
+            <a:lnRef idx="2">
+              <a:schemeClr val="accent1">
+                <a:shade val="50000"/>
+              </a:schemeClr>
+            </a:lnRef>
+            <a:fillRef idx="1">
+              <a:schemeClr val="accent1"/>
+            </a:fillRef>
+            <a:effectRef idx="0">
+              <a:schemeClr val="accent1"/>
+            </a:effectRef>
+            <a:fontRef idx="minor">
+              <a:schemeClr val="lt1"/>
+            </a:fontRef>
+          </p:style>
+          <p:txBody>
+            <a:bodyPr rtlCol="0" anchor="ctr"/>
+            <a:lstStyle/>
+            <a:p>
+              <a:pPr algn="ctr"/>
+              <a:endParaRPr kumimoji="1" lang="ja-JP" altLang="en-US"/>
+            </a:p>
+          </p:txBody>
+        </p:sp>
+        <p:sp>
+          <p:nvSpPr>
+            <p:cNvPr id="78" name="正方形/長方形 77"/>
+            <p:cNvSpPr/>
+            <p:nvPr/>
+          </p:nvSpPr>
+          <p:spPr>
+            <a:xfrm>
+              <a:off x="616788" y="2227799"/>
+              <a:ext cx="1610107" cy="329706"/>
+            </a:xfrm>
+            <a:prstGeom prst="rect">
+              <a:avLst/>
+            </a:prstGeom>
+            <a:solidFill>
+              <a:schemeClr val="tx1"/>
+            </a:solidFill>
+            <a:ln w="38100">
+              <a:solidFill>
+                <a:schemeClr val="accent6"/>
+              </a:solidFill>
+            </a:ln>
+          </p:spPr>
+          <p:style>
+            <a:lnRef idx="2">
+              <a:schemeClr val="accent1">
+                <a:shade val="50000"/>
+              </a:schemeClr>
+            </a:lnRef>
+            <a:fillRef idx="1">
+              <a:schemeClr val="accent1"/>
+            </a:fillRef>
+            <a:effectRef idx="0">
+              <a:schemeClr val="accent1"/>
+            </a:effectRef>
+            <a:fontRef idx="minor">
+              <a:schemeClr val="lt1"/>
+            </a:fontRef>
+          </p:style>
+          <p:txBody>
+            <a:bodyPr rtlCol="0" anchor="ctr"/>
+            <a:lstStyle/>
+            <a:p>
+              <a:pPr algn="ctr"/>
+              <a:r>
+                <a:rPr lang="ja-JP" altLang="en-US" sz="1400" b="1" dirty="0" smtClean="0">
+                  <a:latin typeface="メイリオ" panose="020B0604030504040204" pitchFamily="50" charset="-128"/>
+                  <a:ea typeface="メイリオ" panose="020B0604030504040204" pitchFamily="50" charset="-128"/>
+                </a:rPr>
+                <a:t>パート切り替え</a:t>
+              </a:r>
+              <a:endParaRPr kumimoji="1" lang="ja-JP" altLang="en-US" sz="1400" b="1" dirty="0">
+                <a:latin typeface="メイリオ" panose="020B0604030504040204" pitchFamily="50" charset="-128"/>
+                <a:ea typeface="メイリオ" panose="020B0604030504040204" pitchFamily="50" charset="-128"/>
+              </a:endParaRPr>
+            </a:p>
+          </p:txBody>
+        </p:sp>
+        <p:grpSp>
+          <p:nvGrpSpPr>
+            <p:cNvPr id="83" name="グループ化 82"/>
+            <p:cNvGrpSpPr/>
+            <p:nvPr/>
+          </p:nvGrpSpPr>
+          <p:grpSpPr>
+            <a:xfrm>
+              <a:off x="268083" y="3251047"/>
+              <a:ext cx="4975249" cy="2571402"/>
+              <a:chOff x="268083" y="3251047"/>
+              <a:chExt cx="4975249" cy="2571402"/>
+            </a:xfrm>
+          </p:grpSpPr>
+          <p:sp>
+            <p:nvSpPr>
+              <p:cNvPr id="84" name="正方形/長方形 83"/>
+              <p:cNvSpPr/>
+              <p:nvPr/>
+            </p:nvSpPr>
+            <p:spPr>
+              <a:xfrm>
+                <a:off x="268083" y="3251047"/>
+                <a:ext cx="4975249" cy="2571402"/>
+              </a:xfrm>
+              <a:prstGeom prst="rect">
+                <a:avLst/>
+              </a:prstGeom>
+              <a:solidFill>
+                <a:schemeClr val="tx1"/>
+              </a:solidFill>
+              <a:ln>
+                <a:solidFill>
+                  <a:schemeClr val="accent6"/>
+                </a:solidFill>
+              </a:ln>
+            </p:spPr>
+            <p:style>
+              <a:lnRef idx="2">
+                <a:schemeClr val="accent1">
+                  <a:shade val="50000"/>
+                </a:schemeClr>
+              </a:lnRef>
+              <a:fillRef idx="1">
+                <a:schemeClr val="accent1"/>
+              </a:fillRef>
+              <a:effectRef idx="0">
+                <a:schemeClr val="accent1"/>
+              </a:effectRef>
+              <a:fontRef idx="minor">
+                <a:schemeClr val="lt1"/>
+              </a:fontRef>
+            </p:style>
+            <p:txBody>
+              <a:bodyPr rtlCol="0" anchor="ctr"/>
+              <a:lstStyle/>
+              <a:p>
+                <a:pPr algn="ctr"/>
+                <a:endParaRPr kumimoji="1" lang="ja-JP" altLang="en-US"/>
+              </a:p>
+            </p:txBody>
+          </p:sp>
+          <p:sp>
+            <p:nvSpPr>
+              <p:cNvPr id="85" name="四方向矢印 84"/>
+              <p:cNvSpPr/>
+              <p:nvPr/>
+            </p:nvSpPr>
+            <p:spPr>
+              <a:xfrm>
+                <a:off x="695797" y="3358509"/>
+                <a:ext cx="2401309" cy="2356478"/>
+              </a:xfrm>
+              <a:prstGeom prst="quadArrow">
+                <a:avLst>
+                  <a:gd name="adj1" fmla="val 9553"/>
+                  <a:gd name="adj2" fmla="val 11464"/>
+                  <a:gd name="adj3" fmla="val 10286"/>
+                </a:avLst>
+              </a:prstGeom>
+              <a:solidFill>
+                <a:schemeClr val="accent4"/>
+              </a:solidFill>
+              <a:ln w="19050">
+                <a:solidFill>
+                  <a:schemeClr val="accent2"/>
+                </a:solidFill>
+              </a:ln>
+            </p:spPr>
+            <p:style>
+              <a:lnRef idx="2">
+                <a:schemeClr val="accent1">
+                  <a:shade val="50000"/>
+                </a:schemeClr>
+              </a:lnRef>
+              <a:fillRef idx="1">
+                <a:schemeClr val="accent1"/>
+              </a:fillRef>
+              <a:effectRef idx="0">
+                <a:schemeClr val="accent1"/>
+              </a:effectRef>
+              <a:fontRef idx="minor">
+                <a:schemeClr val="lt1"/>
+              </a:fontRef>
+            </p:style>
+            <p:txBody>
+              <a:bodyPr rtlCol="0" anchor="ctr"/>
+              <a:lstStyle/>
+              <a:p>
+                <a:pPr algn="ctr"/>
+                <a:endParaRPr kumimoji="1" lang="ja-JP" altLang="en-US"/>
+              </a:p>
+            </p:txBody>
+          </p:sp>
+          <p:pic>
+            <p:nvPicPr>
+              <p:cNvPr id="86" name="図 85"/>
+              <p:cNvPicPr>
+                <a:picLocks noChangeAspect="1"/>
+              </p:cNvPicPr>
+              <p:nvPr/>
+            </p:nvPicPr>
+            <p:blipFill>
+              <a:blip r:embed="rId3">
+                <a:extLst>
+                  <a:ext uri="{28A0092B-C50C-407E-A947-70E740481C1C}">
+                    <a14:useLocalDpi xmlns:a14="http://schemas.microsoft.com/office/drawing/2010/main" val="0"/>
+                  </a:ext>
+                </a:extLst>
+              </a:blip>
+              <a:stretch>
+                <a:fillRect/>
+              </a:stretch>
+            </p:blipFill>
+            <p:spPr>
+              <a:xfrm>
+                <a:off x="1405757" y="3760982"/>
+                <a:ext cx="981391" cy="1551532"/>
+              </a:xfrm>
+              <a:prstGeom prst="rect">
+                <a:avLst/>
+              </a:prstGeom>
+            </p:spPr>
+          </p:pic>
+          <p:grpSp>
+            <p:nvGrpSpPr>
+              <p:cNvPr id="87" name="グループ化 86"/>
+              <p:cNvGrpSpPr/>
+              <p:nvPr/>
+            </p:nvGrpSpPr>
+            <p:grpSpPr>
+              <a:xfrm>
+                <a:off x="525156" y="3655677"/>
+                <a:ext cx="1204238" cy="465668"/>
+                <a:chOff x="752078" y="1208903"/>
+                <a:chExt cx="1204238" cy="465668"/>
+              </a:xfrm>
+            </p:grpSpPr>
+            <p:cxnSp>
+              <p:nvCxnSpPr>
+                <p:cNvPr id="94" name="直線コネクタ 93"/>
+                <p:cNvCxnSpPr>
+                  <a:endCxn id="97" idx="3"/>
+                </p:cNvCxnSpPr>
+                <p:nvPr/>
+              </p:nvCxnSpPr>
+              <p:spPr>
+                <a:xfrm flipH="1" flipV="1">
+                  <a:off x="1618748" y="1388202"/>
+                  <a:ext cx="236258" cy="198856"/>
+                </a:xfrm>
+                <a:prstGeom prst="line">
+                  <a:avLst/>
+                </a:prstGeom>
+                <a:ln w="38100">
+                  <a:solidFill>
+                    <a:schemeClr val="accent6"/>
+                  </a:solidFill>
+                </a:ln>
+              </p:spPr>
+              <p:style>
+                <a:lnRef idx="1">
+                  <a:schemeClr val="accent1"/>
+                </a:lnRef>
+                <a:fillRef idx="0">
+                  <a:schemeClr val="accent1"/>
+                </a:fillRef>
+                <a:effectRef idx="0">
+                  <a:schemeClr val="accent1"/>
+                </a:effectRef>
+                <a:fontRef idx="minor">
+                  <a:schemeClr val="tx1"/>
+                </a:fontRef>
+              </p:style>
+            </p:cxnSp>
+            <p:grpSp>
+              <p:nvGrpSpPr>
+                <p:cNvPr id="95" name="グループ化 94"/>
+                <p:cNvGrpSpPr/>
+                <p:nvPr/>
+              </p:nvGrpSpPr>
+              <p:grpSpPr>
+                <a:xfrm>
+                  <a:off x="752078" y="1208903"/>
+                  <a:ext cx="1204238" cy="465668"/>
+                  <a:chOff x="737632" y="2216584"/>
+                  <a:chExt cx="1022061" cy="436062"/>
+                </a:xfrm>
+              </p:grpSpPr>
+              <p:sp>
+                <p:nvSpPr>
+                  <p:cNvPr id="96" name="楕円 95"/>
+                  <p:cNvSpPr/>
+                  <p:nvPr/>
+                </p:nvSpPr>
+                <p:spPr>
+                  <a:xfrm>
+                    <a:off x="1658080" y="2552382"/>
+                    <a:ext cx="101613" cy="100264"/>
+                  </a:xfrm>
+                  <a:prstGeom prst="ellipse">
+                    <a:avLst/>
+                  </a:prstGeom>
+                  <a:solidFill>
+                    <a:schemeClr val="accent6"/>
+                  </a:solidFill>
+                  <a:ln>
+                    <a:noFill/>
+                  </a:ln>
+                </p:spPr>
+                <p:style>
+                  <a:lnRef idx="2">
+                    <a:schemeClr val="accent1">
+                      <a:shade val="50000"/>
+                    </a:schemeClr>
+                  </a:lnRef>
+                  <a:fillRef idx="1">
+                    <a:schemeClr val="accent1"/>
+                  </a:fillRef>
+                  <a:effectRef idx="0">
+                    <a:schemeClr val="accent1"/>
+                  </a:effectRef>
+                  <a:fontRef idx="minor">
+                    <a:schemeClr val="lt1"/>
+                  </a:fontRef>
+                </p:style>
+                <p:txBody>
+                  <a:bodyPr rtlCol="0" anchor="ctr"/>
+                  <a:lstStyle/>
+                  <a:p>
+                    <a:pPr algn="ctr"/>
+                    <a:endParaRPr kumimoji="1" lang="ja-JP" altLang="en-US"/>
+                  </a:p>
+                </p:txBody>
+              </p:sp>
+              <p:sp>
+                <p:nvSpPr>
+                  <p:cNvPr id="97" name="正方形/長方形 96"/>
+                  <p:cNvSpPr/>
+                  <p:nvPr/>
+                </p:nvSpPr>
+                <p:spPr>
+                  <a:xfrm>
+                    <a:off x="737632" y="2216584"/>
+                    <a:ext cx="735560" cy="335798"/>
+                  </a:xfrm>
+                  <a:prstGeom prst="rect">
+                    <a:avLst/>
+                  </a:prstGeom>
+                  <a:solidFill>
+                    <a:schemeClr val="tx1"/>
+                  </a:solidFill>
+                  <a:ln w="38100">
+                    <a:solidFill>
+                      <a:schemeClr val="accent6"/>
+                    </a:solidFill>
+                  </a:ln>
+                </p:spPr>
+                <p:style>
+                  <a:lnRef idx="2">
+                    <a:schemeClr val="accent1">
+                      <a:shade val="50000"/>
+                    </a:schemeClr>
+                  </a:lnRef>
+                  <a:fillRef idx="1">
+                    <a:schemeClr val="accent1"/>
+                  </a:fillRef>
+                  <a:effectRef idx="0">
+                    <a:schemeClr val="accent1"/>
+                  </a:effectRef>
+                  <a:fontRef idx="minor">
+                    <a:schemeClr val="lt1"/>
+                  </a:fontRef>
+                </p:style>
+                <p:txBody>
+                  <a:bodyPr rtlCol="0" anchor="ctr"/>
+                  <a:lstStyle/>
+                  <a:p>
+                    <a:pPr algn="ctr"/>
+                    <a:r>
+                      <a:rPr lang="ja-JP" altLang="en-US" b="1" dirty="0" smtClean="0">
+                        <a:latin typeface="メイリオ" panose="020B0604030504040204" pitchFamily="50" charset="-128"/>
+                        <a:ea typeface="メイリオ" panose="020B0604030504040204" pitchFamily="50" charset="-128"/>
+                      </a:rPr>
+                      <a:t>決定</a:t>
+                    </a:r>
+                    <a:endParaRPr kumimoji="1" lang="ja-JP" altLang="en-US" b="1" dirty="0">
+                      <a:latin typeface="メイリオ" panose="020B0604030504040204" pitchFamily="50" charset="-128"/>
+                      <a:ea typeface="メイリオ" panose="020B0604030504040204" pitchFamily="50" charset="-128"/>
+                    </a:endParaRPr>
+                  </a:p>
+                </p:txBody>
+              </p:sp>
+            </p:grpSp>
+          </p:grpSp>
+          <p:grpSp>
+            <p:nvGrpSpPr>
+              <p:cNvPr id="88" name="グループ化 87"/>
+              <p:cNvGrpSpPr/>
+              <p:nvPr/>
+            </p:nvGrpSpPr>
+            <p:grpSpPr>
+              <a:xfrm>
+                <a:off x="2081935" y="3602269"/>
+                <a:ext cx="1725130" cy="519078"/>
+                <a:chOff x="382521" y="1208905"/>
+                <a:chExt cx="1725130" cy="519078"/>
+              </a:xfrm>
+            </p:grpSpPr>
+            <p:cxnSp>
+              <p:nvCxnSpPr>
+                <p:cNvPr id="90" name="直線コネクタ 89"/>
+                <p:cNvCxnSpPr>
+                  <a:stCxn id="92" idx="7"/>
+                  <a:endCxn id="93" idx="1"/>
+                </p:cNvCxnSpPr>
+                <p:nvPr/>
+              </p:nvCxnSpPr>
+              <p:spPr>
+                <a:xfrm flipV="1">
+                  <a:off x="484713" y="1388204"/>
+                  <a:ext cx="267363" cy="248388"/>
+                </a:xfrm>
+                <a:prstGeom prst="line">
+                  <a:avLst/>
+                </a:prstGeom>
+                <a:ln w="38100">
+                  <a:solidFill>
+                    <a:schemeClr val="accent6"/>
+                  </a:solidFill>
+                </a:ln>
+              </p:spPr>
+              <p:style>
+                <a:lnRef idx="1">
+                  <a:schemeClr val="accent1"/>
+                </a:lnRef>
+                <a:fillRef idx="0">
+                  <a:schemeClr val="accent1"/>
+                </a:fillRef>
+                <a:effectRef idx="0">
+                  <a:schemeClr val="accent1"/>
+                </a:effectRef>
+                <a:fontRef idx="minor">
+                  <a:schemeClr val="tx1"/>
+                </a:fontRef>
+              </p:style>
+            </p:cxnSp>
+            <p:grpSp>
+              <p:nvGrpSpPr>
+                <p:cNvPr id="91" name="グループ化 90"/>
+                <p:cNvGrpSpPr/>
+                <p:nvPr/>
+              </p:nvGrpSpPr>
+              <p:grpSpPr>
+                <a:xfrm>
+                  <a:off x="382521" y="1208905"/>
+                  <a:ext cx="1725130" cy="519078"/>
+                  <a:chOff x="423982" y="2216584"/>
+                  <a:chExt cx="1464153" cy="486076"/>
+                </a:xfrm>
+              </p:grpSpPr>
+              <p:sp>
+                <p:nvSpPr>
+                  <p:cNvPr id="92" name="楕円 91"/>
+                  <p:cNvSpPr/>
+                  <p:nvPr/>
+                </p:nvSpPr>
+                <p:spPr>
+                  <a:xfrm>
+                    <a:off x="423982" y="2602396"/>
+                    <a:ext cx="101613" cy="100264"/>
+                  </a:xfrm>
+                  <a:prstGeom prst="ellipse">
+                    <a:avLst/>
+                  </a:prstGeom>
+                  <a:solidFill>
+                    <a:schemeClr val="accent6"/>
+                  </a:solidFill>
+                  <a:ln>
+                    <a:noFill/>
+                  </a:ln>
+                </p:spPr>
+                <p:style>
+                  <a:lnRef idx="2">
+                    <a:schemeClr val="accent1">
+                      <a:shade val="50000"/>
+                    </a:schemeClr>
+                  </a:lnRef>
+                  <a:fillRef idx="1">
+                    <a:schemeClr val="accent1"/>
+                  </a:fillRef>
+                  <a:effectRef idx="0">
+                    <a:schemeClr val="accent1"/>
+                  </a:effectRef>
+                  <a:fontRef idx="minor">
+                    <a:schemeClr val="lt1"/>
+                  </a:fontRef>
+                </p:style>
+                <p:txBody>
+                  <a:bodyPr rtlCol="0" anchor="ctr"/>
+                  <a:lstStyle/>
+                  <a:p>
+                    <a:pPr algn="ctr"/>
+                    <a:endParaRPr kumimoji="1" lang="ja-JP" altLang="en-US"/>
+                  </a:p>
+                </p:txBody>
+              </p:sp>
+              <p:sp>
+                <p:nvSpPr>
+                  <p:cNvPr id="93" name="正方形/長方形 92"/>
+                  <p:cNvSpPr/>
+                  <p:nvPr/>
+                </p:nvSpPr>
+                <p:spPr>
+                  <a:xfrm>
+                    <a:off x="737631" y="2216584"/>
+                    <a:ext cx="1150504" cy="335798"/>
+                  </a:xfrm>
+                  <a:prstGeom prst="rect">
+                    <a:avLst/>
+                  </a:prstGeom>
+                  <a:solidFill>
+                    <a:schemeClr val="tx1"/>
+                  </a:solidFill>
+                  <a:ln w="38100">
+                    <a:solidFill>
+                      <a:schemeClr val="accent6"/>
+                    </a:solidFill>
+                  </a:ln>
+                </p:spPr>
+                <p:style>
+                  <a:lnRef idx="2">
+                    <a:schemeClr val="accent1">
+                      <a:shade val="50000"/>
+                    </a:schemeClr>
+                  </a:lnRef>
+                  <a:fillRef idx="1">
+                    <a:schemeClr val="accent1"/>
+                  </a:fillRef>
+                  <a:effectRef idx="0">
+                    <a:schemeClr val="accent1"/>
+                  </a:effectRef>
+                  <a:fontRef idx="minor">
+                    <a:schemeClr val="lt1"/>
+                  </a:fontRef>
+                </p:style>
+                <p:txBody>
+                  <a:bodyPr rtlCol="0" anchor="ctr"/>
+                  <a:lstStyle/>
+                  <a:p>
+                    <a:pPr algn="ctr"/>
+                    <a:r>
+                      <a:rPr lang="ja-JP" altLang="en-US" b="1" dirty="0" smtClean="0">
+                        <a:latin typeface="メイリオ" panose="020B0604030504040204" pitchFamily="50" charset="-128"/>
+                        <a:ea typeface="メイリオ" panose="020B0604030504040204" pitchFamily="50" charset="-128"/>
+                      </a:rPr>
+                      <a:t>マップ操作</a:t>
+                    </a:r>
+                    <a:endParaRPr kumimoji="1" lang="ja-JP" altLang="en-US" b="1" dirty="0">
+                      <a:latin typeface="メイリオ" panose="020B0604030504040204" pitchFamily="50" charset="-128"/>
+                      <a:ea typeface="メイリオ" panose="020B0604030504040204" pitchFamily="50" charset="-128"/>
+                    </a:endParaRPr>
+                  </a:p>
+                </p:txBody>
+              </p:sp>
+            </p:grpSp>
+          </p:grpSp>
+          <p:sp>
+            <p:nvSpPr>
+              <p:cNvPr id="89" name="正方形/長方形 88"/>
+              <p:cNvSpPr/>
+              <p:nvPr/>
+            </p:nvSpPr>
+            <p:spPr>
+              <a:xfrm>
+                <a:off x="3253740" y="4976019"/>
+                <a:ext cx="1859280" cy="738968"/>
+              </a:xfrm>
+              <a:prstGeom prst="rect">
+                <a:avLst/>
+              </a:prstGeom>
+              <a:solidFill>
+                <a:schemeClr val="tx1"/>
+              </a:solidFill>
+              <a:ln w="38100">
+                <a:solidFill>
+                  <a:schemeClr val="accent6"/>
+                </a:solidFill>
+              </a:ln>
+            </p:spPr>
+            <p:style>
+              <a:lnRef idx="2">
+                <a:schemeClr val="accent1">
+                  <a:shade val="50000"/>
+                </a:schemeClr>
+              </a:lnRef>
+              <a:fillRef idx="1">
+                <a:schemeClr val="accent1"/>
+              </a:fillRef>
+              <a:effectRef idx="0">
+                <a:schemeClr val="accent1"/>
+              </a:effectRef>
+              <a:fontRef idx="minor">
+                <a:schemeClr val="lt1"/>
+              </a:fontRef>
+            </p:style>
+            <p:txBody>
+              <a:bodyPr rtlCol="0" anchor="ctr"/>
+              <a:lstStyle/>
+              <a:p>
+                <a:r>
+                  <a:rPr lang="ja-JP" altLang="en-US" b="1" dirty="0" smtClean="0">
+                    <a:latin typeface="メイリオ" panose="020B0604030504040204" pitchFamily="50" charset="-128"/>
+                    <a:ea typeface="メイリオ" panose="020B0604030504040204" pitchFamily="50" charset="-128"/>
+                  </a:rPr>
+                  <a:t>カーソル移動</a:t>
+                </a:r>
+                <a:endParaRPr lang="en-US" altLang="ja-JP" b="1" dirty="0" smtClean="0">
+                  <a:latin typeface="メイリオ" panose="020B0604030504040204" pitchFamily="50" charset="-128"/>
+                  <a:ea typeface="メイリオ" panose="020B0604030504040204" pitchFamily="50" charset="-128"/>
+                </a:endParaRPr>
+              </a:p>
+              <a:p>
+                <a:r>
+                  <a:rPr kumimoji="1" lang="en-US" altLang="ja-JP" b="1" dirty="0" smtClean="0">
+                    <a:latin typeface="メイリオ" panose="020B0604030504040204" pitchFamily="50" charset="-128"/>
+                    <a:ea typeface="メイリオ" panose="020B0604030504040204" pitchFamily="50" charset="-128"/>
+                  </a:rPr>
+                  <a:t>(</a:t>
+                </a:r>
+                <a:r>
+                  <a:rPr kumimoji="1" lang="ja-JP" altLang="en-US" b="1" dirty="0" smtClean="0">
+                    <a:latin typeface="メイリオ" panose="020B0604030504040204" pitchFamily="50" charset="-128"/>
+                    <a:ea typeface="メイリオ" panose="020B0604030504040204" pitchFamily="50" charset="-128"/>
+                  </a:rPr>
+                  <a:t>マウス移動</a:t>
+                </a:r>
+                <a:r>
+                  <a:rPr kumimoji="1" lang="en-US" altLang="ja-JP" b="1" dirty="0" smtClean="0">
+                    <a:latin typeface="メイリオ" panose="020B0604030504040204" pitchFamily="50" charset="-128"/>
+                    <a:ea typeface="メイリオ" panose="020B0604030504040204" pitchFamily="50" charset="-128"/>
+                  </a:rPr>
+                  <a:t>)</a:t>
+                </a:r>
+                <a:endParaRPr kumimoji="1" lang="ja-JP" altLang="en-US" b="1" dirty="0">
+                  <a:latin typeface="メイリオ" panose="020B0604030504040204" pitchFamily="50" charset="-128"/>
+                  <a:ea typeface="メイリオ" panose="020B0604030504040204" pitchFamily="50" charset="-128"/>
+                </a:endParaRPr>
+              </a:p>
+            </p:txBody>
+          </p:sp>
+        </p:grpSp>
+      </p:grpSp>
+      <p:grpSp>
+        <p:nvGrpSpPr>
+          <p:cNvPr id="3" name="グループ化 2"/>
+          <p:cNvGrpSpPr/>
+          <p:nvPr/>
+        </p:nvGrpSpPr>
+        <p:grpSpPr>
+          <a:xfrm>
+            <a:off x="5924159" y="636608"/>
+            <a:ext cx="4975250" cy="5185841"/>
+            <a:chOff x="5924159" y="636608"/>
+            <a:chExt cx="4975250" cy="5185841"/>
+          </a:xfrm>
+        </p:grpSpPr>
+        <p:sp>
+          <p:nvSpPr>
+            <p:cNvPr id="103" name="正方形/長方形 102"/>
+            <p:cNvSpPr/>
+            <p:nvPr/>
+          </p:nvSpPr>
+          <p:spPr>
+            <a:xfrm>
+              <a:off x="5924160" y="636608"/>
+              <a:ext cx="4975249" cy="2571402"/>
+            </a:xfrm>
+            <a:prstGeom prst="rect">
+              <a:avLst/>
+            </a:prstGeom>
+            <a:solidFill>
+              <a:schemeClr val="tx1"/>
+            </a:solidFill>
+            <a:ln>
+              <a:solidFill>
+                <a:schemeClr val="accent6"/>
+              </a:solidFill>
+            </a:ln>
+          </p:spPr>
+          <p:style>
+            <a:lnRef idx="2">
+              <a:schemeClr val="accent1">
+                <a:shade val="50000"/>
+              </a:schemeClr>
+            </a:lnRef>
+            <a:fillRef idx="1">
+              <a:schemeClr val="accent1"/>
+            </a:fillRef>
+            <a:effectRef idx="0">
+              <a:schemeClr val="accent1"/>
+            </a:effectRef>
+            <a:fontRef idx="minor">
+              <a:schemeClr val="lt1"/>
+            </a:fontRef>
+          </p:style>
+          <p:txBody>
+            <a:bodyPr rtlCol="0" anchor="ctr"/>
+            <a:lstStyle/>
+            <a:p>
+              <a:pPr algn="ctr"/>
+              <a:endParaRPr kumimoji="1" lang="ja-JP" altLang="en-US"/>
+            </a:p>
+          </p:txBody>
+        </p:sp>
+        <p:grpSp>
+          <p:nvGrpSpPr>
+            <p:cNvPr id="110" name="グループ化 109"/>
+            <p:cNvGrpSpPr/>
+            <p:nvPr/>
+          </p:nvGrpSpPr>
+          <p:grpSpPr>
+            <a:xfrm>
+              <a:off x="8909816" y="1559269"/>
+              <a:ext cx="1610107" cy="934051"/>
+              <a:chOff x="8955291" y="2082239"/>
+              <a:chExt cx="1610107" cy="934051"/>
+            </a:xfrm>
+          </p:grpSpPr>
+          <p:sp>
+            <p:nvSpPr>
+              <p:cNvPr id="111" name="正方形/長方形 110"/>
+              <p:cNvSpPr/>
+              <p:nvPr/>
+            </p:nvSpPr>
+            <p:spPr>
+              <a:xfrm>
+                <a:off x="8955291" y="2686584"/>
+                <a:ext cx="1610107" cy="329706"/>
+              </a:xfrm>
+              <a:prstGeom prst="rect">
+                <a:avLst/>
+              </a:prstGeom>
+              <a:solidFill>
+                <a:schemeClr val="tx1"/>
+              </a:solidFill>
+              <a:ln w="38100">
+                <a:solidFill>
+                  <a:schemeClr val="accent6"/>
+                </a:solidFill>
+              </a:ln>
+            </p:spPr>
+            <p:style>
+              <a:lnRef idx="2">
+                <a:schemeClr val="accent1">
+                  <a:shade val="50000"/>
+                </a:schemeClr>
+              </a:lnRef>
+              <a:fillRef idx="1">
+                <a:schemeClr val="accent1"/>
+              </a:fillRef>
+              <a:effectRef idx="0">
+                <a:schemeClr val="accent1"/>
+              </a:effectRef>
+              <a:fontRef idx="minor">
+                <a:schemeClr val="lt1"/>
+              </a:fontRef>
+            </p:style>
+            <p:txBody>
+              <a:bodyPr rtlCol="0" anchor="ctr"/>
+              <a:lstStyle/>
+              <a:p>
+                <a:pPr algn="ctr"/>
+                <a:r>
+                  <a:rPr lang="ja-JP" altLang="en-US" sz="1400" b="1" dirty="0" smtClean="0">
+                    <a:latin typeface="メイリオ" panose="020B0604030504040204" pitchFamily="50" charset="-128"/>
+                    <a:ea typeface="メイリオ" panose="020B0604030504040204" pitchFamily="50" charset="-128"/>
+                  </a:rPr>
+                  <a:t>パート切り替え</a:t>
+                </a:r>
+                <a:endParaRPr kumimoji="1" lang="ja-JP" altLang="en-US" sz="1400" b="1" dirty="0">
+                  <a:latin typeface="メイリオ" panose="020B0604030504040204" pitchFamily="50" charset="-128"/>
+                  <a:ea typeface="メイリオ" panose="020B0604030504040204" pitchFamily="50" charset="-128"/>
+                </a:endParaRPr>
+              </a:p>
+            </p:txBody>
+          </p:sp>
+          <p:sp>
+            <p:nvSpPr>
+              <p:cNvPr id="112" name="正方形/長方形 111"/>
+              <p:cNvSpPr/>
+              <p:nvPr/>
+            </p:nvSpPr>
+            <p:spPr>
+              <a:xfrm>
+                <a:off x="9489072" y="2082239"/>
+                <a:ext cx="542544" cy="501577"/>
+              </a:xfrm>
+              <a:prstGeom prst="rect">
+                <a:avLst/>
+              </a:prstGeom>
+              <a:solidFill>
+                <a:schemeClr val="tx1"/>
+              </a:solidFill>
+              <a:ln w="28575">
+                <a:solidFill>
+                  <a:schemeClr val="bg1"/>
+                </a:solidFill>
+              </a:ln>
+            </p:spPr>
+            <p:style>
+              <a:lnRef idx="2">
+                <a:schemeClr val="accent1">
+                  <a:shade val="50000"/>
+                </a:schemeClr>
+              </a:lnRef>
+              <a:fillRef idx="1">
+                <a:schemeClr val="accent1"/>
+              </a:fillRef>
+              <a:effectRef idx="0">
+                <a:schemeClr val="accent1"/>
+              </a:effectRef>
+              <a:fontRef idx="minor">
+                <a:schemeClr val="lt1"/>
+              </a:fontRef>
+            </p:style>
+            <p:txBody>
+              <a:bodyPr rtlCol="0" anchor="ctr"/>
+              <a:lstStyle/>
+              <a:p>
+                <a:pPr algn="ctr"/>
+                <a:r>
+                  <a:rPr lang="en-US" altLang="ja-JP" sz="2400" b="1" dirty="0" smtClean="0"/>
+                  <a:t>Z</a:t>
+                </a:r>
+                <a:endParaRPr kumimoji="1" lang="ja-JP" altLang="en-US" sz="2400" b="1" dirty="0"/>
+              </a:p>
+            </p:txBody>
+          </p:sp>
+        </p:grpSp>
+        <p:grpSp>
+          <p:nvGrpSpPr>
+            <p:cNvPr id="115" name="グループ化 114"/>
+            <p:cNvGrpSpPr/>
+            <p:nvPr/>
+          </p:nvGrpSpPr>
+          <p:grpSpPr>
+            <a:xfrm>
+              <a:off x="5924159" y="3251047"/>
+              <a:ext cx="4975249" cy="2571402"/>
+              <a:chOff x="268083" y="3251047"/>
+              <a:chExt cx="4975249" cy="2571402"/>
+            </a:xfrm>
+          </p:grpSpPr>
+          <p:sp>
+            <p:nvSpPr>
+              <p:cNvPr id="116" name="正方形/長方形 115"/>
+              <p:cNvSpPr/>
+              <p:nvPr/>
+            </p:nvSpPr>
+            <p:spPr>
+              <a:xfrm>
+                <a:off x="268083" y="3251047"/>
+                <a:ext cx="4975249" cy="2571402"/>
+              </a:xfrm>
+              <a:prstGeom prst="rect">
+                <a:avLst/>
+              </a:prstGeom>
+              <a:solidFill>
+                <a:schemeClr val="tx1"/>
+              </a:solidFill>
+              <a:ln>
+                <a:solidFill>
+                  <a:schemeClr val="accent6"/>
+                </a:solidFill>
+              </a:ln>
+            </p:spPr>
+            <p:style>
+              <a:lnRef idx="2">
+                <a:schemeClr val="accent1">
+                  <a:shade val="50000"/>
+                </a:schemeClr>
+              </a:lnRef>
+              <a:fillRef idx="1">
+                <a:schemeClr val="accent1"/>
+              </a:fillRef>
+              <a:effectRef idx="0">
+                <a:schemeClr val="accent1"/>
+              </a:effectRef>
+              <a:fontRef idx="minor">
+                <a:schemeClr val="lt1"/>
+              </a:fontRef>
+            </p:style>
+            <p:txBody>
+              <a:bodyPr rtlCol="0" anchor="ctr"/>
+              <a:lstStyle/>
+              <a:p>
+                <a:pPr algn="ctr"/>
+                <a:endParaRPr kumimoji="1" lang="ja-JP" altLang="en-US"/>
+              </a:p>
+            </p:txBody>
+          </p:sp>
+          <p:sp>
+            <p:nvSpPr>
+              <p:cNvPr id="117" name="四方向矢印 116"/>
+              <p:cNvSpPr/>
+              <p:nvPr/>
+            </p:nvSpPr>
+            <p:spPr>
+              <a:xfrm>
+                <a:off x="695797" y="3358509"/>
+                <a:ext cx="2401309" cy="2356478"/>
+              </a:xfrm>
+              <a:prstGeom prst="quadArrow">
+                <a:avLst>
+                  <a:gd name="adj1" fmla="val 9553"/>
+                  <a:gd name="adj2" fmla="val 11464"/>
+                  <a:gd name="adj3" fmla="val 10286"/>
+                </a:avLst>
+              </a:prstGeom>
+              <a:solidFill>
+                <a:schemeClr val="accent4"/>
+              </a:solidFill>
+              <a:ln w="19050">
+                <a:solidFill>
+                  <a:schemeClr val="accent2"/>
+                </a:solidFill>
+              </a:ln>
+            </p:spPr>
+            <p:style>
+              <a:lnRef idx="2">
+                <a:schemeClr val="accent1">
+                  <a:shade val="50000"/>
+                </a:schemeClr>
+              </a:lnRef>
+              <a:fillRef idx="1">
+                <a:schemeClr val="accent1"/>
+              </a:fillRef>
+              <a:effectRef idx="0">
+                <a:schemeClr val="accent1"/>
+              </a:effectRef>
+              <a:fontRef idx="minor">
+                <a:schemeClr val="lt1"/>
+              </a:fontRef>
+            </p:style>
+            <p:txBody>
+              <a:bodyPr rtlCol="0" anchor="ctr"/>
+              <a:lstStyle/>
+              <a:p>
+                <a:pPr algn="ctr"/>
+                <a:endParaRPr kumimoji="1" lang="ja-JP" altLang="en-US"/>
+              </a:p>
+            </p:txBody>
+          </p:sp>
+          <p:pic>
+            <p:nvPicPr>
+              <p:cNvPr id="118" name="図 117"/>
+              <p:cNvPicPr>
+                <a:picLocks noChangeAspect="1"/>
+              </p:cNvPicPr>
+              <p:nvPr/>
+            </p:nvPicPr>
+            <p:blipFill>
+              <a:blip r:embed="rId3">
+                <a:extLst>
+                  <a:ext uri="{28A0092B-C50C-407E-A947-70E740481C1C}">
+                    <a14:useLocalDpi xmlns:a14="http://schemas.microsoft.com/office/drawing/2010/main" val="0"/>
+                  </a:ext>
+                </a:extLst>
+              </a:blip>
+              <a:stretch>
+                <a:fillRect/>
+              </a:stretch>
+            </p:blipFill>
+            <p:spPr>
+              <a:xfrm>
+                <a:off x="1405757" y="3760982"/>
+                <a:ext cx="981391" cy="1551532"/>
+              </a:xfrm>
+              <a:prstGeom prst="rect">
+                <a:avLst/>
+              </a:prstGeom>
+            </p:spPr>
+          </p:pic>
+          <p:grpSp>
+            <p:nvGrpSpPr>
+              <p:cNvPr id="119" name="グループ化 118"/>
+              <p:cNvGrpSpPr/>
+              <p:nvPr/>
+            </p:nvGrpSpPr>
+            <p:grpSpPr>
+              <a:xfrm>
+                <a:off x="525156" y="3655677"/>
+                <a:ext cx="1204238" cy="465668"/>
+                <a:chOff x="752078" y="1208903"/>
+                <a:chExt cx="1204238" cy="465668"/>
+              </a:xfrm>
+            </p:grpSpPr>
+            <p:cxnSp>
+              <p:nvCxnSpPr>
+                <p:cNvPr id="126" name="直線コネクタ 125"/>
+                <p:cNvCxnSpPr>
+                  <a:endCxn id="129" idx="3"/>
+                </p:cNvCxnSpPr>
+                <p:nvPr/>
+              </p:nvCxnSpPr>
+              <p:spPr>
+                <a:xfrm flipH="1" flipV="1">
+                  <a:off x="1618748" y="1388202"/>
+                  <a:ext cx="236258" cy="198856"/>
+                </a:xfrm>
+                <a:prstGeom prst="line">
+                  <a:avLst/>
+                </a:prstGeom>
+                <a:ln w="38100">
+                  <a:solidFill>
+                    <a:schemeClr val="accent6"/>
+                  </a:solidFill>
+                </a:ln>
+              </p:spPr>
+              <p:style>
+                <a:lnRef idx="1">
+                  <a:schemeClr val="accent1"/>
+                </a:lnRef>
+                <a:fillRef idx="0">
+                  <a:schemeClr val="accent1"/>
+                </a:fillRef>
+                <a:effectRef idx="0">
+                  <a:schemeClr val="accent1"/>
+                </a:effectRef>
+                <a:fontRef idx="minor">
+                  <a:schemeClr val="tx1"/>
+                </a:fontRef>
+              </p:style>
+            </p:cxnSp>
+            <p:grpSp>
+              <p:nvGrpSpPr>
+                <p:cNvPr id="127" name="グループ化 126"/>
+                <p:cNvGrpSpPr/>
+                <p:nvPr/>
+              </p:nvGrpSpPr>
+              <p:grpSpPr>
+                <a:xfrm>
+                  <a:off x="752078" y="1208903"/>
+                  <a:ext cx="1204238" cy="465668"/>
+                  <a:chOff x="737632" y="2216584"/>
+                  <a:chExt cx="1022061" cy="436062"/>
+                </a:xfrm>
+              </p:grpSpPr>
+              <p:sp>
+                <p:nvSpPr>
+                  <p:cNvPr id="128" name="楕円 127"/>
+                  <p:cNvSpPr/>
+                  <p:nvPr/>
+                </p:nvSpPr>
+                <p:spPr>
+                  <a:xfrm>
+                    <a:off x="1658080" y="2552382"/>
+                    <a:ext cx="101613" cy="100264"/>
+                  </a:xfrm>
+                  <a:prstGeom prst="ellipse">
+                    <a:avLst/>
+                  </a:prstGeom>
+                  <a:solidFill>
+                    <a:schemeClr val="accent6"/>
+                  </a:solidFill>
+                  <a:ln>
+                    <a:noFill/>
+                  </a:ln>
+                </p:spPr>
+                <p:style>
+                  <a:lnRef idx="2">
+                    <a:schemeClr val="accent1">
+                      <a:shade val="50000"/>
+                    </a:schemeClr>
+                  </a:lnRef>
+                  <a:fillRef idx="1">
+                    <a:schemeClr val="accent1"/>
+                  </a:fillRef>
+                  <a:effectRef idx="0">
+                    <a:schemeClr val="accent1"/>
+                  </a:effectRef>
+                  <a:fontRef idx="minor">
+                    <a:schemeClr val="lt1"/>
+                  </a:fontRef>
+                </p:style>
+                <p:txBody>
+                  <a:bodyPr rtlCol="0" anchor="ctr"/>
+                  <a:lstStyle/>
+                  <a:p>
+                    <a:pPr algn="ctr"/>
+                    <a:endParaRPr kumimoji="1" lang="ja-JP" altLang="en-US"/>
+                  </a:p>
+                </p:txBody>
+              </p:sp>
+              <p:sp>
+                <p:nvSpPr>
+                  <p:cNvPr id="129" name="正方形/長方形 128"/>
+                  <p:cNvSpPr/>
+                  <p:nvPr/>
+                </p:nvSpPr>
+                <p:spPr>
+                  <a:xfrm>
+                    <a:off x="737632" y="2216584"/>
+                    <a:ext cx="735560" cy="335798"/>
+                  </a:xfrm>
+                  <a:prstGeom prst="rect">
+                    <a:avLst/>
+                  </a:prstGeom>
+                  <a:solidFill>
+                    <a:schemeClr val="tx1"/>
+                  </a:solidFill>
+                  <a:ln w="38100">
+                    <a:solidFill>
+                      <a:schemeClr val="accent6"/>
+                    </a:solidFill>
+                  </a:ln>
+                </p:spPr>
+                <p:style>
+                  <a:lnRef idx="2">
+                    <a:schemeClr val="accent1">
+                      <a:shade val="50000"/>
+                    </a:schemeClr>
+                  </a:lnRef>
+                  <a:fillRef idx="1">
+                    <a:schemeClr val="accent1"/>
+                  </a:fillRef>
+                  <a:effectRef idx="0">
+                    <a:schemeClr val="accent1"/>
+                  </a:effectRef>
+                  <a:fontRef idx="minor">
+                    <a:schemeClr val="lt1"/>
+                  </a:fontRef>
+                </p:style>
+                <p:txBody>
+                  <a:bodyPr rtlCol="0" anchor="ctr"/>
+                  <a:lstStyle/>
+                  <a:p>
+                    <a:pPr algn="ctr"/>
+                    <a:r>
+                      <a:rPr lang="ja-JP" altLang="en-US" b="1" dirty="0" smtClean="0">
+                        <a:latin typeface="メイリオ" panose="020B0604030504040204" pitchFamily="50" charset="-128"/>
+                        <a:ea typeface="メイリオ" panose="020B0604030504040204" pitchFamily="50" charset="-128"/>
+                      </a:rPr>
+                      <a:t>決定</a:t>
+                    </a:r>
+                    <a:endParaRPr kumimoji="1" lang="ja-JP" altLang="en-US" b="1" dirty="0">
+                      <a:latin typeface="メイリオ" panose="020B0604030504040204" pitchFamily="50" charset="-128"/>
+                      <a:ea typeface="メイリオ" panose="020B0604030504040204" pitchFamily="50" charset="-128"/>
+                    </a:endParaRPr>
+                  </a:p>
+                </p:txBody>
+              </p:sp>
+            </p:grpSp>
+          </p:grpSp>
+          <p:grpSp>
+            <p:nvGrpSpPr>
+              <p:cNvPr id="120" name="グループ化 119"/>
+              <p:cNvGrpSpPr/>
+              <p:nvPr/>
+            </p:nvGrpSpPr>
+            <p:grpSpPr>
+              <a:xfrm>
+                <a:off x="2081935" y="3602269"/>
+                <a:ext cx="1725130" cy="519078"/>
+                <a:chOff x="382521" y="1208905"/>
+                <a:chExt cx="1725130" cy="519078"/>
+              </a:xfrm>
+            </p:grpSpPr>
+            <p:cxnSp>
+              <p:nvCxnSpPr>
+                <p:cNvPr id="122" name="直線コネクタ 121"/>
+                <p:cNvCxnSpPr>
+                  <a:stCxn id="124" idx="7"/>
+                  <a:endCxn id="125" idx="1"/>
+                </p:cNvCxnSpPr>
+                <p:nvPr/>
+              </p:nvCxnSpPr>
+              <p:spPr>
+                <a:xfrm flipV="1">
+                  <a:off x="484713" y="1388204"/>
+                  <a:ext cx="267363" cy="248388"/>
+                </a:xfrm>
+                <a:prstGeom prst="line">
+                  <a:avLst/>
+                </a:prstGeom>
+                <a:ln w="38100">
+                  <a:solidFill>
+                    <a:schemeClr val="accent6"/>
+                  </a:solidFill>
+                </a:ln>
+              </p:spPr>
+              <p:style>
+                <a:lnRef idx="1">
+                  <a:schemeClr val="accent1"/>
+                </a:lnRef>
+                <a:fillRef idx="0">
+                  <a:schemeClr val="accent1"/>
+                </a:fillRef>
+                <a:effectRef idx="0">
+                  <a:schemeClr val="accent1"/>
+                </a:effectRef>
+                <a:fontRef idx="minor">
+                  <a:schemeClr val="tx1"/>
+                </a:fontRef>
+              </p:style>
+            </p:cxnSp>
+            <p:grpSp>
+              <p:nvGrpSpPr>
+                <p:cNvPr id="123" name="グループ化 122"/>
+                <p:cNvGrpSpPr/>
+                <p:nvPr/>
+              </p:nvGrpSpPr>
+              <p:grpSpPr>
+                <a:xfrm>
+                  <a:off x="382521" y="1208905"/>
+                  <a:ext cx="1725130" cy="519078"/>
+                  <a:chOff x="423982" y="2216584"/>
+                  <a:chExt cx="1464153" cy="486076"/>
+                </a:xfrm>
+              </p:grpSpPr>
+              <p:sp>
+                <p:nvSpPr>
+                  <p:cNvPr id="124" name="楕円 123"/>
+                  <p:cNvSpPr/>
+                  <p:nvPr/>
+                </p:nvSpPr>
+                <p:spPr>
+                  <a:xfrm>
+                    <a:off x="423982" y="2602396"/>
+                    <a:ext cx="101613" cy="100264"/>
+                  </a:xfrm>
+                  <a:prstGeom prst="ellipse">
+                    <a:avLst/>
+                  </a:prstGeom>
+                  <a:solidFill>
+                    <a:schemeClr val="accent6"/>
+                  </a:solidFill>
+                  <a:ln>
+                    <a:noFill/>
+                  </a:ln>
+                </p:spPr>
+                <p:style>
+                  <a:lnRef idx="2">
+                    <a:schemeClr val="accent1">
+                      <a:shade val="50000"/>
+                    </a:schemeClr>
+                  </a:lnRef>
+                  <a:fillRef idx="1">
+                    <a:schemeClr val="accent1"/>
+                  </a:fillRef>
+                  <a:effectRef idx="0">
+                    <a:schemeClr val="accent1"/>
+                  </a:effectRef>
+                  <a:fontRef idx="minor">
+                    <a:schemeClr val="lt1"/>
+                  </a:fontRef>
+                </p:style>
+                <p:txBody>
+                  <a:bodyPr rtlCol="0" anchor="ctr"/>
+                  <a:lstStyle/>
+                  <a:p>
+                    <a:pPr algn="ctr"/>
+                    <a:endParaRPr kumimoji="1" lang="ja-JP" altLang="en-US"/>
+                  </a:p>
+                </p:txBody>
+              </p:sp>
+              <p:sp>
+                <p:nvSpPr>
+                  <p:cNvPr id="125" name="正方形/長方形 124"/>
+                  <p:cNvSpPr/>
+                  <p:nvPr/>
+                </p:nvSpPr>
+                <p:spPr>
+                  <a:xfrm>
+                    <a:off x="737631" y="2216584"/>
+                    <a:ext cx="1150504" cy="335798"/>
+                  </a:xfrm>
+                  <a:prstGeom prst="rect">
+                    <a:avLst/>
+                  </a:prstGeom>
+                  <a:solidFill>
+                    <a:schemeClr val="tx1"/>
+                  </a:solidFill>
+                  <a:ln w="38100">
+                    <a:solidFill>
+                      <a:schemeClr val="accent6"/>
+                    </a:solidFill>
+                  </a:ln>
+                </p:spPr>
+                <p:style>
+                  <a:lnRef idx="2">
+                    <a:schemeClr val="accent1">
+                      <a:shade val="50000"/>
+                    </a:schemeClr>
+                  </a:lnRef>
+                  <a:fillRef idx="1">
+                    <a:schemeClr val="accent1"/>
+                  </a:fillRef>
+                  <a:effectRef idx="0">
+                    <a:schemeClr val="accent1"/>
+                  </a:effectRef>
+                  <a:fontRef idx="minor">
+                    <a:schemeClr val="lt1"/>
+                  </a:fontRef>
+                </p:style>
+                <p:txBody>
+                  <a:bodyPr rtlCol="0" anchor="ctr"/>
+                  <a:lstStyle/>
+                  <a:p>
+                    <a:pPr algn="ctr"/>
+                    <a:r>
+                      <a:rPr lang="ja-JP" altLang="en-US" b="1" dirty="0" smtClean="0">
+                        <a:latin typeface="メイリオ" panose="020B0604030504040204" pitchFamily="50" charset="-128"/>
+                        <a:ea typeface="メイリオ" panose="020B0604030504040204" pitchFamily="50" charset="-128"/>
+                      </a:rPr>
+                      <a:t>マップ操作</a:t>
+                    </a:r>
+                    <a:endParaRPr kumimoji="1" lang="ja-JP" altLang="en-US" b="1" dirty="0">
+                      <a:latin typeface="メイリオ" panose="020B0604030504040204" pitchFamily="50" charset="-128"/>
+                      <a:ea typeface="メイリオ" panose="020B0604030504040204" pitchFamily="50" charset="-128"/>
+                    </a:endParaRPr>
+                  </a:p>
+                </p:txBody>
+              </p:sp>
+            </p:grpSp>
+          </p:grpSp>
+          <p:sp>
+            <p:nvSpPr>
+              <p:cNvPr id="121" name="正方形/長方形 120"/>
+              <p:cNvSpPr/>
+              <p:nvPr/>
+            </p:nvSpPr>
+            <p:spPr>
+              <a:xfrm>
+                <a:off x="3253740" y="4976019"/>
+                <a:ext cx="1859280" cy="738968"/>
+              </a:xfrm>
+              <a:prstGeom prst="rect">
+                <a:avLst/>
+              </a:prstGeom>
+              <a:solidFill>
+                <a:schemeClr val="tx1"/>
+              </a:solidFill>
+              <a:ln w="38100">
+                <a:solidFill>
+                  <a:schemeClr val="accent6"/>
+                </a:solidFill>
+              </a:ln>
+            </p:spPr>
+            <p:style>
+              <a:lnRef idx="2">
+                <a:schemeClr val="accent1">
+                  <a:shade val="50000"/>
+                </a:schemeClr>
+              </a:lnRef>
+              <a:fillRef idx="1">
+                <a:schemeClr val="accent1"/>
+              </a:fillRef>
+              <a:effectRef idx="0">
+                <a:schemeClr val="accent1"/>
+              </a:effectRef>
+              <a:fontRef idx="minor">
+                <a:schemeClr val="lt1"/>
+              </a:fontRef>
+            </p:style>
+            <p:txBody>
+              <a:bodyPr rtlCol="0" anchor="ctr"/>
+              <a:lstStyle/>
+              <a:p>
+                <a:r>
+                  <a:rPr lang="ja-JP" altLang="en-US" b="1" dirty="0" smtClean="0">
+                    <a:latin typeface="メイリオ" panose="020B0604030504040204" pitchFamily="50" charset="-128"/>
+                    <a:ea typeface="メイリオ" panose="020B0604030504040204" pitchFamily="50" charset="-128"/>
+                  </a:rPr>
+                  <a:t>カーソル移動</a:t>
+                </a:r>
+                <a:endParaRPr lang="en-US" altLang="ja-JP" b="1" dirty="0" smtClean="0">
+                  <a:latin typeface="メイリオ" panose="020B0604030504040204" pitchFamily="50" charset="-128"/>
+                  <a:ea typeface="メイリオ" panose="020B0604030504040204" pitchFamily="50" charset="-128"/>
+                </a:endParaRPr>
+              </a:p>
+              <a:p>
+                <a:r>
+                  <a:rPr kumimoji="1" lang="en-US" altLang="ja-JP" b="1" dirty="0" smtClean="0">
+                    <a:latin typeface="メイリオ" panose="020B0604030504040204" pitchFamily="50" charset="-128"/>
+                    <a:ea typeface="メイリオ" panose="020B0604030504040204" pitchFamily="50" charset="-128"/>
+                  </a:rPr>
+                  <a:t>(</a:t>
+                </a:r>
+                <a:r>
+                  <a:rPr kumimoji="1" lang="ja-JP" altLang="en-US" b="1" dirty="0" smtClean="0">
+                    <a:latin typeface="メイリオ" panose="020B0604030504040204" pitchFamily="50" charset="-128"/>
+                    <a:ea typeface="メイリオ" panose="020B0604030504040204" pitchFamily="50" charset="-128"/>
+                  </a:rPr>
+                  <a:t>マウス移動</a:t>
+                </a:r>
+                <a:r>
+                  <a:rPr kumimoji="1" lang="en-US" altLang="ja-JP" b="1" dirty="0" smtClean="0">
+                    <a:latin typeface="メイリオ" panose="020B0604030504040204" pitchFamily="50" charset="-128"/>
+                    <a:ea typeface="メイリオ" panose="020B0604030504040204" pitchFamily="50" charset="-128"/>
+                  </a:rPr>
+                  <a:t>)</a:t>
+                </a:r>
+                <a:endParaRPr kumimoji="1" lang="ja-JP" altLang="en-US" b="1" dirty="0">
+                  <a:latin typeface="メイリオ" panose="020B0604030504040204" pitchFamily="50" charset="-128"/>
+                  <a:ea typeface="メイリオ" panose="020B0604030504040204" pitchFamily="50" charset="-128"/>
+                </a:endParaRPr>
+              </a:p>
+            </p:txBody>
+          </p:sp>
+        </p:grpSp>
+      </p:grpSp>
+    </p:spTree>
+    <p:extLst>
+      <p:ext uri="{BB962C8B-B14F-4D97-AF65-F5344CB8AC3E}">
+        <p14:creationId xmlns:p14="http://schemas.microsoft.com/office/powerpoint/2010/main" val="1071951648"/>
       </p:ext>
     </p:extLst>
   </p:cSld>
